--- a/Day-1 – Node.js Fundamentals & HTTP Module.pptx
+++ b/Day-1 – Node.js Fundamentals & HTTP Module.pptx
@@ -5,7 +5,7 @@
     <p:sldMasterId id="2147483710" r:id="rId1"/>
   </p:sldMasterIdLst>
   <p:notesMasterIdLst>
-    <p:notesMasterId r:id="rId92"/>
+    <p:notesMasterId r:id="rId93"/>
   </p:notesMasterIdLst>
   <p:sldIdLst>
     <p:sldId id="281" r:id="rId2"/>
@@ -49,55 +49,56 @@
     <p:sldId id="496" r:id="rId40"/>
     <p:sldId id="497" r:id="rId41"/>
     <p:sldId id="498" r:id="rId42"/>
-    <p:sldId id="502" r:id="rId43"/>
-    <p:sldId id="503" r:id="rId44"/>
-    <p:sldId id="504" r:id="rId45"/>
-    <p:sldId id="505" r:id="rId46"/>
-    <p:sldId id="501" r:id="rId47"/>
-    <p:sldId id="533" r:id="rId48"/>
-    <p:sldId id="499" r:id="rId49"/>
-    <p:sldId id="500" r:id="rId50"/>
-    <p:sldId id="534" r:id="rId51"/>
-    <p:sldId id="506" r:id="rId52"/>
-    <p:sldId id="308" r:id="rId53"/>
-    <p:sldId id="305" r:id="rId54"/>
-    <p:sldId id="307" r:id="rId55"/>
-    <p:sldId id="306" r:id="rId56"/>
-    <p:sldId id="309" r:id="rId57"/>
-    <p:sldId id="310" r:id="rId58"/>
-    <p:sldId id="311" r:id="rId59"/>
-    <p:sldId id="312" r:id="rId60"/>
-    <p:sldId id="313" r:id="rId61"/>
-    <p:sldId id="314" r:id="rId62"/>
-    <p:sldId id="315" r:id="rId63"/>
-    <p:sldId id="320" r:id="rId64"/>
-    <p:sldId id="316" r:id="rId65"/>
-    <p:sldId id="317" r:id="rId66"/>
-    <p:sldId id="318" r:id="rId67"/>
-    <p:sldId id="319" r:id="rId68"/>
-    <p:sldId id="508" r:id="rId69"/>
-    <p:sldId id="509" r:id="rId70"/>
-    <p:sldId id="511" r:id="rId71"/>
-    <p:sldId id="512" r:id="rId72"/>
-    <p:sldId id="513" r:id="rId73"/>
-    <p:sldId id="510" r:id="rId74"/>
-    <p:sldId id="514" r:id="rId75"/>
-    <p:sldId id="515" r:id="rId76"/>
-    <p:sldId id="516" r:id="rId77"/>
-    <p:sldId id="517" r:id="rId78"/>
-    <p:sldId id="518" r:id="rId79"/>
-    <p:sldId id="519" r:id="rId80"/>
-    <p:sldId id="520" r:id="rId81"/>
-    <p:sldId id="521" r:id="rId82"/>
-    <p:sldId id="522" r:id="rId83"/>
-    <p:sldId id="523" r:id="rId84"/>
-    <p:sldId id="524" r:id="rId85"/>
-    <p:sldId id="525" r:id="rId86"/>
-    <p:sldId id="336" r:id="rId87"/>
-    <p:sldId id="339" r:id="rId88"/>
-    <p:sldId id="338" r:id="rId89"/>
-    <p:sldId id="340" r:id="rId90"/>
-    <p:sldId id="526" r:id="rId91"/>
+    <p:sldId id="535" r:id="rId43"/>
+    <p:sldId id="502" r:id="rId44"/>
+    <p:sldId id="503" r:id="rId45"/>
+    <p:sldId id="504" r:id="rId46"/>
+    <p:sldId id="505" r:id="rId47"/>
+    <p:sldId id="501" r:id="rId48"/>
+    <p:sldId id="533" r:id="rId49"/>
+    <p:sldId id="499" r:id="rId50"/>
+    <p:sldId id="500" r:id="rId51"/>
+    <p:sldId id="534" r:id="rId52"/>
+    <p:sldId id="506" r:id="rId53"/>
+    <p:sldId id="308" r:id="rId54"/>
+    <p:sldId id="305" r:id="rId55"/>
+    <p:sldId id="307" r:id="rId56"/>
+    <p:sldId id="306" r:id="rId57"/>
+    <p:sldId id="309" r:id="rId58"/>
+    <p:sldId id="310" r:id="rId59"/>
+    <p:sldId id="311" r:id="rId60"/>
+    <p:sldId id="312" r:id="rId61"/>
+    <p:sldId id="313" r:id="rId62"/>
+    <p:sldId id="314" r:id="rId63"/>
+    <p:sldId id="315" r:id="rId64"/>
+    <p:sldId id="320" r:id="rId65"/>
+    <p:sldId id="316" r:id="rId66"/>
+    <p:sldId id="317" r:id="rId67"/>
+    <p:sldId id="318" r:id="rId68"/>
+    <p:sldId id="319" r:id="rId69"/>
+    <p:sldId id="508" r:id="rId70"/>
+    <p:sldId id="509" r:id="rId71"/>
+    <p:sldId id="511" r:id="rId72"/>
+    <p:sldId id="512" r:id="rId73"/>
+    <p:sldId id="513" r:id="rId74"/>
+    <p:sldId id="510" r:id="rId75"/>
+    <p:sldId id="514" r:id="rId76"/>
+    <p:sldId id="515" r:id="rId77"/>
+    <p:sldId id="516" r:id="rId78"/>
+    <p:sldId id="517" r:id="rId79"/>
+    <p:sldId id="518" r:id="rId80"/>
+    <p:sldId id="519" r:id="rId81"/>
+    <p:sldId id="520" r:id="rId82"/>
+    <p:sldId id="521" r:id="rId83"/>
+    <p:sldId id="522" r:id="rId84"/>
+    <p:sldId id="523" r:id="rId85"/>
+    <p:sldId id="524" r:id="rId86"/>
+    <p:sldId id="525" r:id="rId87"/>
+    <p:sldId id="336" r:id="rId88"/>
+    <p:sldId id="339" r:id="rId89"/>
+    <p:sldId id="338" r:id="rId90"/>
+    <p:sldId id="340" r:id="rId91"/>
+    <p:sldId id="526" r:id="rId92"/>
   </p:sldIdLst>
   <p:sldSz cx="12192000" cy="6858000"/>
   <p:notesSz cx="6858000" cy="9144000"/>
@@ -24085,6 +24086,581 @@
   <p:cSld>
     <p:spTree>
       <p:nvGrpSpPr>
+        <p:cNvPr id="1" name=""/>
+        <p:cNvGrpSpPr/>
+        <p:nvPr/>
+      </p:nvGrpSpPr>
+      <p:grpSpPr>
+        <a:xfrm>
+          <a:off x="0" y="0"/>
+          <a:ext cx="0" cy="0"/>
+          <a:chOff x="0" y="0"/>
+          <a:chExt cx="0" cy="0"/>
+        </a:xfrm>
+      </p:grpSpPr>
+      <p:pic>
+        <p:nvPicPr>
+          <p:cNvPr id="1028" name="Picture 4" descr="libuv - Wikipedia">
+            <a:extLst>
+              <a:ext uri="{FF2B5EF4-FFF2-40B4-BE49-F238E27FC236}">
+                <a16:creationId xmlns:a16="http://schemas.microsoft.com/office/drawing/2014/main" id="{25B01492-9410-127D-174A-538C70790B98}"/>
+              </a:ext>
+            </a:extLst>
+          </p:cNvPr>
+          <p:cNvPicPr>
+            <a:picLocks noChangeAspect="1" noChangeArrowheads="1"/>
+          </p:cNvPicPr>
+          <p:nvPr/>
+        </p:nvPicPr>
+        <p:blipFill>
+          <a:blip r:embed="rId2">
+            <a:extLst>
+              <a:ext uri="{28A0092B-C50C-407E-A947-70E740481C1C}">
+                <a14:useLocalDpi xmlns:a14="http://schemas.microsoft.com/office/drawing/2010/main" val="0"/>
+              </a:ext>
+            </a:extLst>
+          </a:blip>
+          <a:srcRect/>
+          <a:stretch>
+            <a:fillRect/>
+          </a:stretch>
+        </p:blipFill>
+        <p:spPr bwMode="auto">
+          <a:xfrm>
+            <a:off x="9746255" y="1733067"/>
+            <a:ext cx="2041793" cy="2070506"/>
+          </a:xfrm>
+          <a:prstGeom prst="rect">
+            <a:avLst/>
+          </a:prstGeom>
+          <a:noFill/>
+          <a:extLst>
+            <a:ext uri="{909E8E84-426E-40DD-AFC4-6F175D3DCCD1}">
+              <a14:hiddenFill xmlns:a14="http://schemas.microsoft.com/office/drawing/2010/main">
+                <a:solidFill>
+                  <a:srgbClr val="FFFFFF"/>
+                </a:solidFill>
+              </a14:hiddenFill>
+            </a:ext>
+          </a:extLst>
+        </p:spPr>
+      </p:pic>
+      <p:sp>
+        <p:nvSpPr>
+          <p:cNvPr id="3" name="Content Placeholder 2">
+            <a:extLst>
+              <a:ext uri="{FF2B5EF4-FFF2-40B4-BE49-F238E27FC236}">
+                <a16:creationId xmlns:a16="http://schemas.microsoft.com/office/drawing/2014/main" id="{238C47C1-B378-574C-BEB7-314DF6FBAA5F}"/>
+              </a:ext>
+            </a:extLst>
+          </p:cNvPr>
+          <p:cNvSpPr>
+            <a:spLocks noGrp="1"/>
+          </p:cNvSpPr>
+          <p:nvPr>
+            <p:ph idx="1"/>
+          </p:nvPr>
+        </p:nvSpPr>
+        <p:spPr>
+          <a:xfrm>
+            <a:off x="777240" y="385590"/>
+            <a:ext cx="10659110" cy="5791373"/>
+          </a:xfrm>
+        </p:spPr>
+        <p:txBody>
+          <a:bodyPr>
+            <a:noAutofit/>
+          </a:bodyPr>
+          <a:lstStyle/>
+          <a:p>
+            <a:pPr marL="0" marR="0">
+              <a:buNone/>
+            </a:pPr>
+            <a:r>
+              <a:rPr lang="en-IN" sz="2800" b="1" dirty="0" err="1">
+                <a:effectLst/>
+                <a:latin typeface="Calibri" panose="020F0502020204030204" pitchFamily="34" charset="0"/>
+              </a:rPr>
+              <a:t>Libuv</a:t>
+            </a:r>
+            <a:r>
+              <a:rPr lang="en-US" sz="2800" b="1" dirty="0">
+                <a:effectLst/>
+                <a:latin typeface="Calibri" panose="020F0502020204030204" pitchFamily="34" charset="0"/>
+              </a:rPr>
+              <a:t>:</a:t>
+            </a:r>
+            <a:endParaRPr lang="en-IN" sz="2800" dirty="0">
+              <a:effectLst/>
+              <a:latin typeface="Calibri" panose="020F0502020204030204" pitchFamily="34" charset="0"/>
+            </a:endParaRPr>
+          </a:p>
+          <a:p>
+            <a:pPr marL="0" marR="0">
+              <a:buNone/>
+            </a:pPr>
+            <a:r>
+              <a:rPr lang="en-IN" sz="2400" b="1" dirty="0" err="1">
+                <a:effectLst/>
+                <a:latin typeface="Calibri" panose="020F0502020204030204" pitchFamily="34" charset="0"/>
+              </a:rPr>
+              <a:t>libuv</a:t>
+            </a:r>
+            <a:r>
+              <a:rPr lang="en-IN" sz="2400" dirty="0">
+                <a:effectLst/>
+                <a:latin typeface="Calibri" panose="020F0502020204030204" pitchFamily="34" charset="0"/>
+              </a:rPr>
+              <a:t> is a </a:t>
+            </a:r>
+            <a:r>
+              <a:rPr lang="en-US" sz="2400" b="1" dirty="0">
+                <a:solidFill>
+                  <a:srgbClr val="C00000"/>
+                </a:solidFill>
+                <a:effectLst/>
+                <a:latin typeface="Calibri" panose="020F0502020204030204" pitchFamily="34" charset="0"/>
+              </a:rPr>
+              <a:t>C library</a:t>
+            </a:r>
+            <a:r>
+              <a:rPr lang="en-IN" sz="2400" dirty="0">
+                <a:solidFill>
+                  <a:srgbClr val="C00000"/>
+                </a:solidFill>
+                <a:effectLst/>
+                <a:latin typeface="Calibri" panose="020F0502020204030204" pitchFamily="34" charset="0"/>
+              </a:rPr>
+              <a:t> </a:t>
+            </a:r>
+            <a:r>
+              <a:rPr lang="en-IN" sz="2400" dirty="0">
+                <a:effectLst/>
+                <a:latin typeface="Calibri" panose="020F0502020204030204" pitchFamily="34" charset="0"/>
+              </a:rPr>
+              <a:t>that powers Node.js's </a:t>
+            </a:r>
+            <a:r>
+              <a:rPr lang="en-IN" sz="2400" b="1" dirty="0">
+                <a:effectLst/>
+                <a:latin typeface="Calibri" panose="020F0502020204030204" pitchFamily="34" charset="0"/>
+              </a:rPr>
+              <a:t>event-driven</a:t>
+            </a:r>
+            <a:r>
+              <a:rPr lang="en-IN" sz="2400" dirty="0">
+                <a:effectLst/>
+                <a:latin typeface="Calibri" panose="020F0502020204030204" pitchFamily="34" charset="0"/>
+              </a:rPr>
+              <a:t>, </a:t>
+            </a:r>
+            <a:r>
+              <a:rPr lang="en-IN" sz="2400" b="1" dirty="0">
+                <a:effectLst/>
+                <a:latin typeface="Calibri" panose="020F0502020204030204" pitchFamily="34" charset="0"/>
+              </a:rPr>
+              <a:t>non-blocking I/O</a:t>
+            </a:r>
+            <a:r>
+              <a:rPr lang="en-IN" sz="2400" dirty="0">
+                <a:effectLst/>
+                <a:latin typeface="Calibri" panose="020F0502020204030204" pitchFamily="34" charset="0"/>
+              </a:rPr>
+              <a:t> model. It is a </a:t>
+            </a:r>
+            <a:r>
+              <a:rPr lang="en-IN" sz="2400" b="1" dirty="0">
+                <a:solidFill>
+                  <a:srgbClr val="C00000"/>
+                </a:solidFill>
+                <a:effectLst/>
+                <a:latin typeface="Calibri" panose="020F0502020204030204" pitchFamily="34" charset="0"/>
+              </a:rPr>
+              <a:t>core component </a:t>
+            </a:r>
+            <a:r>
+              <a:rPr lang="en-IN" sz="2400" dirty="0">
+                <a:effectLst/>
+                <a:latin typeface="Calibri" panose="020F0502020204030204" pitchFamily="34" charset="0"/>
+              </a:rPr>
+              <a:t>of Node.js and serves as an </a:t>
+            </a:r>
+            <a:r>
+              <a:rPr lang="en-IN" sz="2400" b="1" dirty="0">
+                <a:solidFill>
+                  <a:srgbClr val="C00000"/>
+                </a:solidFill>
+                <a:effectLst/>
+                <a:latin typeface="Calibri" panose="020F0502020204030204" pitchFamily="34" charset="0"/>
+              </a:rPr>
+              <a:t>abstraction layer</a:t>
+            </a:r>
+            <a:r>
+              <a:rPr lang="en-IN" sz="2400" dirty="0">
+                <a:solidFill>
+                  <a:srgbClr val="C00000"/>
+                </a:solidFill>
+                <a:effectLst/>
+                <a:latin typeface="Calibri" panose="020F0502020204030204" pitchFamily="34" charset="0"/>
+              </a:rPr>
+              <a:t> </a:t>
+            </a:r>
+            <a:r>
+              <a:rPr lang="en-IN" sz="2400" dirty="0">
+                <a:effectLst/>
+                <a:latin typeface="Calibri" panose="020F0502020204030204" pitchFamily="34" charset="0"/>
+              </a:rPr>
+              <a:t>between the </a:t>
+            </a:r>
+            <a:r>
+              <a:rPr lang="en-IN" sz="2200" b="1" dirty="0">
+                <a:effectLst/>
+                <a:latin typeface="Calibri" panose="020F0502020204030204" pitchFamily="34" charset="0"/>
+              </a:rPr>
+              <a:t>operating system</a:t>
+            </a:r>
+            <a:r>
+              <a:rPr lang="en-IN" sz="2200" dirty="0">
+                <a:effectLst/>
+                <a:latin typeface="Calibri" panose="020F0502020204030204" pitchFamily="34" charset="0"/>
+              </a:rPr>
+              <a:t> and </a:t>
+            </a:r>
+            <a:r>
+              <a:rPr lang="en-IN" sz="2200" b="1" dirty="0">
+                <a:effectLst/>
+                <a:latin typeface="Calibri" panose="020F0502020204030204" pitchFamily="34" charset="0"/>
+              </a:rPr>
+              <a:t>Node</a:t>
+            </a:r>
+            <a:r>
+              <a:rPr lang="en-IN" sz="2200" dirty="0">
+                <a:effectLst/>
+                <a:latin typeface="Calibri" panose="020F0502020204030204" pitchFamily="34" charset="0"/>
+              </a:rPr>
+              <a:t>.js. It enables asynchronous operations, such as file system tasks, network requests, and timers, across multiple platforms.</a:t>
+            </a:r>
+          </a:p>
+          <a:p>
+            <a:pPr marL="0" marR="0">
+              <a:buNone/>
+            </a:pPr>
+            <a:r>
+              <a:rPr lang="en-US" sz="2200" dirty="0">
+                <a:effectLst/>
+                <a:latin typeface="Calibri" panose="020F0502020204030204" pitchFamily="34" charset="0"/>
+              </a:rPr>
+              <a:t> </a:t>
+            </a:r>
+            <a:r>
+              <a:rPr lang="en-IN" sz="2200" b="1" dirty="0">
+                <a:effectLst/>
+                <a:latin typeface="Calibri" panose="020F0502020204030204" pitchFamily="34" charset="0"/>
+              </a:rPr>
+              <a:t>How </a:t>
+            </a:r>
+            <a:r>
+              <a:rPr lang="en-IN" sz="2200" b="1" dirty="0" err="1">
+                <a:effectLst/>
+                <a:latin typeface="Calibri" panose="020F0502020204030204" pitchFamily="34" charset="0"/>
+              </a:rPr>
+              <a:t>libuv</a:t>
+            </a:r>
+            <a:r>
+              <a:rPr lang="en-IN" sz="2200" b="1" dirty="0">
+                <a:effectLst/>
+                <a:latin typeface="Calibri" panose="020F0502020204030204" pitchFamily="34" charset="0"/>
+              </a:rPr>
+              <a:t> Works in Node.js</a:t>
+            </a:r>
+            <a:endParaRPr lang="en-IN" sz="2200" dirty="0">
+              <a:effectLst/>
+              <a:latin typeface="Calibri" panose="020F0502020204030204" pitchFamily="34" charset="0"/>
+            </a:endParaRPr>
+          </a:p>
+          <a:p>
+            <a:pPr marL="0" marR="0">
+              <a:buNone/>
+            </a:pPr>
+            <a:r>
+              <a:rPr lang="en-IN" sz="2200" dirty="0">
+                <a:effectLst/>
+                <a:latin typeface="Calibri" panose="020F0502020204030204" pitchFamily="34" charset="0"/>
+              </a:rPr>
+              <a:t>When Node.js performs asynchronous operations like reading a file, the task is </a:t>
+            </a:r>
+            <a:r>
+              <a:rPr lang="en-IN" sz="2200" b="1" dirty="0">
+                <a:solidFill>
+                  <a:schemeClr val="bg1"/>
+                </a:solidFill>
+                <a:effectLst/>
+                <a:latin typeface="Calibri" panose="020F0502020204030204" pitchFamily="34" charset="0"/>
+              </a:rPr>
+              <a:t>passed to </a:t>
+            </a:r>
+            <a:r>
+              <a:rPr lang="en-IN" sz="2200" dirty="0" err="1">
+                <a:effectLst/>
+                <a:latin typeface="Calibri" panose="020F0502020204030204" pitchFamily="34" charset="0"/>
+              </a:rPr>
+              <a:t>libuv</a:t>
+            </a:r>
+            <a:r>
+              <a:rPr lang="en-IN" sz="2200" dirty="0">
+                <a:effectLst/>
+                <a:latin typeface="Calibri" panose="020F0502020204030204" pitchFamily="34" charset="0"/>
+              </a:rPr>
+              <a:t>. Here's what happens:</a:t>
+            </a:r>
+          </a:p>
+          <a:p>
+            <a:pPr rtl="0" fontAlgn="ctr">
+              <a:buFont typeface="+mj-lt"/>
+              <a:buAutoNum type="arabicPeriod"/>
+            </a:pPr>
+            <a:r>
+              <a:rPr lang="en-IN" sz="2200" b="1" i="0" dirty="0">
+                <a:effectLst/>
+                <a:latin typeface="Calibri" panose="020F0502020204030204" pitchFamily="34" charset="0"/>
+              </a:rPr>
+              <a:t>Delegation: Node.js delegates the task to </a:t>
+            </a:r>
+            <a:r>
+              <a:rPr lang="en-IN" sz="2200" b="1" i="0" dirty="0" err="1">
+                <a:effectLst/>
+                <a:latin typeface="Calibri" panose="020F0502020204030204" pitchFamily="34" charset="0"/>
+              </a:rPr>
+              <a:t>libuv</a:t>
+            </a:r>
+            <a:r>
+              <a:rPr lang="en-IN" sz="2200" b="1" i="0" dirty="0">
+                <a:effectLst/>
+                <a:latin typeface="Calibri" panose="020F0502020204030204" pitchFamily="34" charset="0"/>
+              </a:rPr>
+              <a:t>.</a:t>
+            </a:r>
+          </a:p>
+          <a:p>
+            <a:pPr rtl="0" fontAlgn="ctr">
+              <a:buFont typeface="+mj-lt"/>
+              <a:buAutoNum type="arabicPeriod"/>
+            </a:pPr>
+            <a:r>
+              <a:rPr lang="en-IN" sz="2200" b="1" i="0" dirty="0">
+                <a:effectLst/>
+                <a:latin typeface="Calibri" panose="020F0502020204030204" pitchFamily="34" charset="0"/>
+              </a:rPr>
+              <a:t>Event Loop</a:t>
+            </a:r>
+            <a:r>
+              <a:rPr lang="en-IN" sz="2200" b="0" i="0" dirty="0">
+                <a:effectLst/>
+                <a:latin typeface="Calibri" panose="020F0502020204030204" pitchFamily="34" charset="0"/>
+              </a:rPr>
+              <a:t>: </a:t>
+            </a:r>
+            <a:r>
+              <a:rPr lang="en-IN" sz="2200" i="0" dirty="0" err="1">
+                <a:effectLst/>
+                <a:latin typeface="Calibri" panose="020F0502020204030204" pitchFamily="34" charset="0"/>
+              </a:rPr>
+              <a:t>libuv</a:t>
+            </a:r>
+            <a:r>
+              <a:rPr lang="en-IN" sz="2200" i="0" dirty="0">
+                <a:effectLst/>
+                <a:latin typeface="Calibri" panose="020F0502020204030204" pitchFamily="34" charset="0"/>
+              </a:rPr>
+              <a:t> </a:t>
+            </a:r>
+            <a:r>
+              <a:rPr lang="en-IN" sz="2200" b="1" i="0" dirty="0">
+                <a:solidFill>
+                  <a:srgbClr val="002060"/>
+                </a:solidFill>
+                <a:effectLst/>
+                <a:latin typeface="Calibri" panose="020F0502020204030204" pitchFamily="34" charset="0"/>
+              </a:rPr>
+              <a:t>places the task in the event loop </a:t>
+            </a:r>
+            <a:r>
+              <a:rPr lang="en-IN" sz="2200" i="0" dirty="0">
+                <a:effectLst/>
+                <a:latin typeface="Calibri" panose="020F0502020204030204" pitchFamily="34" charset="0"/>
+              </a:rPr>
+              <a:t>or </a:t>
+            </a:r>
+            <a:r>
+              <a:rPr lang="en-IN" sz="2200" b="1" i="0" dirty="0">
+                <a:solidFill>
+                  <a:srgbClr val="002060"/>
+                </a:solidFill>
+                <a:effectLst/>
+                <a:latin typeface="Calibri" panose="020F0502020204030204" pitchFamily="34" charset="0"/>
+              </a:rPr>
+              <a:t>assigns</a:t>
+            </a:r>
+            <a:r>
+              <a:rPr lang="en-IN" sz="2200" i="0" dirty="0">
+                <a:effectLst/>
+                <a:latin typeface="Calibri" panose="020F0502020204030204" pitchFamily="34" charset="0"/>
+              </a:rPr>
+              <a:t> it to a thread in the </a:t>
+            </a:r>
+            <a:r>
+              <a:rPr lang="en-IN" sz="2200" b="1" i="0" dirty="0">
+                <a:solidFill>
+                  <a:srgbClr val="002060"/>
+                </a:solidFill>
+                <a:effectLst/>
+                <a:latin typeface="Calibri" panose="020F0502020204030204" pitchFamily="34" charset="0"/>
+              </a:rPr>
+              <a:t>thread pool </a:t>
+            </a:r>
+            <a:r>
+              <a:rPr lang="en-IN" sz="2200" i="0" dirty="0">
+                <a:effectLst/>
+                <a:latin typeface="Calibri" panose="020F0502020204030204" pitchFamily="34" charset="0"/>
+              </a:rPr>
+              <a:t>(for blocking tasks).</a:t>
+            </a:r>
+          </a:p>
+          <a:p>
+            <a:pPr rtl="0" fontAlgn="ctr">
+              <a:buFont typeface="+mj-lt"/>
+              <a:buAutoNum type="arabicPeriod"/>
+            </a:pPr>
+            <a:r>
+              <a:rPr lang="en-IN" sz="2200" b="1" i="0" dirty="0">
+                <a:effectLst/>
+                <a:latin typeface="Calibri" panose="020F0502020204030204" pitchFamily="34" charset="0"/>
+              </a:rPr>
+              <a:t>Execution</a:t>
+            </a:r>
+            <a:r>
+              <a:rPr lang="en-IN" sz="2200" b="0" i="0" dirty="0">
+                <a:effectLst/>
+                <a:latin typeface="Calibri" panose="020F0502020204030204" pitchFamily="34" charset="0"/>
+              </a:rPr>
+              <a:t>: </a:t>
+            </a:r>
+            <a:r>
+              <a:rPr lang="en-IN" sz="2200" i="0" dirty="0" err="1">
+                <a:effectLst/>
+                <a:latin typeface="Calibri" panose="020F0502020204030204" pitchFamily="34" charset="0"/>
+              </a:rPr>
+              <a:t>libuv</a:t>
+            </a:r>
+            <a:r>
+              <a:rPr lang="en-IN" sz="2200" i="0" dirty="0">
+                <a:effectLst/>
+                <a:latin typeface="Calibri" panose="020F0502020204030204" pitchFamily="34" charset="0"/>
+              </a:rPr>
+              <a:t> uses the OS's </a:t>
+            </a:r>
+            <a:r>
+              <a:rPr lang="en-IN" sz="2200" b="1" i="0" dirty="0">
+                <a:solidFill>
+                  <a:srgbClr val="002060"/>
+                </a:solidFill>
+                <a:effectLst/>
+                <a:latin typeface="Calibri" panose="020F0502020204030204" pitchFamily="34" charset="0"/>
+              </a:rPr>
+              <a:t>native asynchronous capabilities </a:t>
+            </a:r>
+            <a:r>
+              <a:rPr lang="en-IN" sz="2200" i="0" dirty="0">
+                <a:effectLst/>
+                <a:latin typeface="Calibri" panose="020F0502020204030204" pitchFamily="34" charset="0"/>
+              </a:rPr>
+              <a:t>or its thread pool to complete the task.</a:t>
+            </a:r>
+          </a:p>
+          <a:p>
+            <a:pPr rtl="0" fontAlgn="ctr">
+              <a:buFont typeface="+mj-lt"/>
+              <a:buAutoNum type="arabicPeriod"/>
+            </a:pPr>
+            <a:r>
+              <a:rPr lang="en-IN" sz="2200" b="1" i="0" dirty="0">
+                <a:effectLst/>
+                <a:latin typeface="Calibri" panose="020F0502020204030204" pitchFamily="34" charset="0"/>
+              </a:rPr>
+              <a:t>Callback</a:t>
+            </a:r>
+            <a:r>
+              <a:rPr lang="en-IN" sz="2200" b="0" i="0" dirty="0">
+                <a:effectLst/>
+                <a:latin typeface="Calibri" panose="020F0502020204030204" pitchFamily="34" charset="0"/>
+              </a:rPr>
+              <a:t>: </a:t>
+            </a:r>
+            <a:r>
+              <a:rPr lang="en-IN" sz="2200" i="0" dirty="0">
+                <a:effectLst/>
+                <a:latin typeface="Calibri" panose="020F0502020204030204" pitchFamily="34" charset="0"/>
+              </a:rPr>
+              <a:t>Once the task is complete, </a:t>
+            </a:r>
+            <a:r>
+              <a:rPr lang="en-IN" sz="2200" i="0" dirty="0" err="1">
+                <a:effectLst/>
+                <a:latin typeface="Calibri" panose="020F0502020204030204" pitchFamily="34" charset="0"/>
+              </a:rPr>
+              <a:t>libuv</a:t>
+            </a:r>
+            <a:r>
+              <a:rPr lang="en-IN" sz="2200" i="0" dirty="0">
+                <a:effectLst/>
+                <a:latin typeface="Calibri" panose="020F0502020204030204" pitchFamily="34" charset="0"/>
+              </a:rPr>
+              <a:t> </a:t>
+            </a:r>
+            <a:r>
+              <a:rPr lang="en-IN" sz="2200" b="1" i="0" dirty="0">
+                <a:solidFill>
+                  <a:srgbClr val="002060"/>
+                </a:solidFill>
+                <a:effectLst/>
+                <a:latin typeface="Calibri" panose="020F0502020204030204" pitchFamily="34" charset="0"/>
+              </a:rPr>
+              <a:t>notifies</a:t>
+            </a:r>
+            <a:r>
+              <a:rPr lang="en-IN" sz="2200" i="0" dirty="0">
+                <a:effectLst/>
+                <a:latin typeface="Calibri" panose="020F0502020204030204" pitchFamily="34" charset="0"/>
+              </a:rPr>
+              <a:t> Node.js, and the associated callback is added to the event loop's callback queue for execution.</a:t>
+            </a:r>
+          </a:p>
+          <a:p>
+            <a:pPr marL="0" indent="0">
+              <a:buNone/>
+            </a:pPr>
+            <a:endParaRPr lang="en-IN" sz="2400" dirty="0"/>
+          </a:p>
+        </p:txBody>
+      </p:sp>
+    </p:spTree>
+    <p:extLst>
+      <p:ext uri="{BB962C8B-B14F-4D97-AF65-F5344CB8AC3E}">
+        <p14:creationId xmlns:p14="http://schemas.microsoft.com/office/powerpoint/2010/main" val="2713829649"/>
+      </p:ext>
+    </p:extLst>
+  </p:cSld>
+  <p:clrMapOvr>
+    <a:masterClrMapping/>
+  </p:clrMapOvr>
+</p:sld>
+</file>
+
+<file path=ppt/slides/slide43.xml><?xml version="1.0" encoding="utf-8"?>
+<p:sld xmlns:a="http://schemas.openxmlformats.org/drawingml/2006/main" xmlns:r="http://schemas.openxmlformats.org/officeDocument/2006/relationships" xmlns:p="http://schemas.openxmlformats.org/presentationml/2006/main">
+  <p:cSld>
+    <p:spTree>
+      <p:nvGrpSpPr>
         <p:cNvPr id="1" name="">
           <a:extLst>
             <a:ext uri="{FF2B5EF4-FFF2-40B4-BE49-F238E27FC236}">
@@ -24305,7 +24881,7 @@
 </p:sld>
 </file>
 
-<file path=ppt/slides/slide43.xml><?xml version="1.0" encoding="utf-8"?>
+<file path=ppt/slides/slide44.xml><?xml version="1.0" encoding="utf-8"?>
 <p:sld xmlns:a="http://schemas.openxmlformats.org/drawingml/2006/main" xmlns:r="http://schemas.openxmlformats.org/officeDocument/2006/relationships" xmlns:p="http://schemas.openxmlformats.org/presentationml/2006/main">
   <p:cSld>
     <p:spTree>
@@ -24454,7 +25030,7 @@
 </p:sld>
 </file>
 
-<file path=ppt/slides/slide44.xml><?xml version="1.0" encoding="utf-8"?>
+<file path=ppt/slides/slide45.xml><?xml version="1.0" encoding="utf-8"?>
 <p:sld xmlns:a="http://schemas.openxmlformats.org/drawingml/2006/main" xmlns:r="http://schemas.openxmlformats.org/officeDocument/2006/relationships" xmlns:p="http://schemas.openxmlformats.org/presentationml/2006/main">
   <p:cSld>
     <p:spTree>
@@ -25200,7 +25776,7 @@
 </p:sld>
 </file>
 
-<file path=ppt/slides/slide45.xml><?xml version="1.0" encoding="utf-8"?>
+<file path=ppt/slides/slide46.xml><?xml version="1.0" encoding="utf-8"?>
 <p:sld xmlns:a="http://schemas.openxmlformats.org/drawingml/2006/main" xmlns:r="http://schemas.openxmlformats.org/officeDocument/2006/relationships" xmlns:p="http://schemas.openxmlformats.org/presentationml/2006/main">
   <p:cSld>
     <p:spTree>
@@ -25380,7 +25956,7 @@
 </p:sld>
 </file>
 
-<file path=ppt/slides/slide46.xml><?xml version="1.0" encoding="utf-8"?>
+<file path=ppt/slides/slide47.xml><?xml version="1.0" encoding="utf-8"?>
 <p:sld xmlns:a="http://schemas.openxmlformats.org/drawingml/2006/main" xmlns:r="http://schemas.openxmlformats.org/officeDocument/2006/relationships" xmlns:p="http://schemas.openxmlformats.org/presentationml/2006/main">
   <p:cSld>
     <p:spTree>
@@ -25535,7 +26111,7 @@
 </p:sld>
 </file>
 
-<file path=ppt/slides/slide47.xml><?xml version="1.0" encoding="utf-8"?>
+<file path=ppt/slides/slide48.xml><?xml version="1.0" encoding="utf-8"?>
 <p:sld xmlns:a="http://schemas.openxmlformats.org/drawingml/2006/main" xmlns:r="http://schemas.openxmlformats.org/officeDocument/2006/relationships" xmlns:p="http://schemas.openxmlformats.org/presentationml/2006/main">
   <p:cSld>
     <p:bg>
@@ -26334,7 +26910,7 @@
 </p:sld>
 </file>
 
-<file path=ppt/slides/slide48.xml><?xml version="1.0" encoding="utf-8"?>
+<file path=ppt/slides/slide49.xml><?xml version="1.0" encoding="utf-8"?>
 <p:sld xmlns:a="http://schemas.openxmlformats.org/drawingml/2006/main" xmlns:r="http://schemas.openxmlformats.org/officeDocument/2006/relationships" xmlns:p="http://schemas.openxmlformats.org/presentationml/2006/main">
   <p:cSld>
     <p:spTree>
@@ -26597,185 +27173,6 @@
     <p:extLst>
       <p:ext uri="{BB962C8B-B14F-4D97-AF65-F5344CB8AC3E}">
         <p14:creationId xmlns:p14="http://schemas.microsoft.com/office/powerpoint/2010/main" val="3801089534"/>
-      </p:ext>
-    </p:extLst>
-  </p:cSld>
-  <p:clrMapOvr>
-    <a:masterClrMapping/>
-  </p:clrMapOvr>
-</p:sld>
-</file>
-
-<file path=ppt/slides/slide49.xml><?xml version="1.0" encoding="utf-8"?>
-<p:sld xmlns:a="http://schemas.openxmlformats.org/drawingml/2006/main" xmlns:r="http://schemas.openxmlformats.org/officeDocument/2006/relationships" xmlns:p="http://schemas.openxmlformats.org/presentationml/2006/main">
-  <p:cSld>
-    <p:spTree>
-      <p:nvGrpSpPr>
-        <p:cNvPr id="1" name="">
-          <a:extLst>
-            <a:ext uri="{FF2B5EF4-FFF2-40B4-BE49-F238E27FC236}">
-              <a16:creationId xmlns:a16="http://schemas.microsoft.com/office/drawing/2014/main" id="{9F7148E4-5E3D-73A3-0B8B-002FF6A908CE}"/>
-            </a:ext>
-          </a:extLst>
-        </p:cNvPr>
-        <p:cNvGrpSpPr/>
-        <p:nvPr/>
-      </p:nvGrpSpPr>
-      <p:grpSpPr>
-        <a:xfrm>
-          <a:off x="0" y="0"/>
-          <a:ext cx="0" cy="0"/>
-          <a:chOff x="0" y="0"/>
-          <a:chExt cx="0" cy="0"/>
-        </a:xfrm>
-      </p:grpSpPr>
-      <p:sp>
-        <p:nvSpPr>
-          <p:cNvPr id="3" name="Content Placeholder 2">
-            <a:extLst>
-              <a:ext uri="{FF2B5EF4-FFF2-40B4-BE49-F238E27FC236}">
-                <a16:creationId xmlns:a16="http://schemas.microsoft.com/office/drawing/2014/main" id="{D09A9AED-2187-E3E5-A96B-7C82DEC4D5FF}"/>
-              </a:ext>
-            </a:extLst>
-          </p:cNvPr>
-          <p:cNvSpPr>
-            <a:spLocks noGrp="1"/>
-          </p:cNvSpPr>
-          <p:nvPr>
-            <p:ph idx="1"/>
-          </p:nvPr>
-        </p:nvSpPr>
-        <p:spPr>
-          <a:xfrm>
-            <a:off x="777240" y="696686"/>
-            <a:ext cx="10659110" cy="5480277"/>
-          </a:xfrm>
-        </p:spPr>
-        <p:txBody>
-          <a:bodyPr>
-            <a:normAutofit/>
-          </a:bodyPr>
-          <a:lstStyle/>
-          <a:p>
-            <a:pPr marL="0" indent="0">
-              <a:buNone/>
-            </a:pPr>
-            <a:r>
-              <a:rPr lang="en-US" sz="2800" b="1" dirty="0"/>
-              <a:t>🌀 What is an Asynchronous Task?</a:t>
-            </a:r>
-          </a:p>
-          <a:p>
-            <a:pPr marL="0" indent="0">
-              <a:buNone/>
-            </a:pPr>
-            <a:r>
-              <a:rPr lang="en-US" sz="2400" dirty="0"/>
-              <a:t>An asynchronous task is one that is </a:t>
-            </a:r>
-            <a:r>
-              <a:rPr lang="en-US" sz="2400" b="1" dirty="0">
-                <a:solidFill>
-                  <a:srgbClr val="C00000"/>
-                </a:solidFill>
-              </a:rPr>
-              <a:t>delegated</a:t>
-            </a:r>
-            <a:r>
-              <a:rPr lang="en-US" sz="2400" dirty="0"/>
-              <a:t> to </a:t>
-            </a:r>
-            <a:r>
-              <a:rPr lang="en-US" sz="2400" b="1" dirty="0"/>
-              <a:t>another</a:t>
-            </a:r>
-            <a:r>
-              <a:rPr lang="en-US" sz="2400" dirty="0"/>
-              <a:t> </a:t>
-            </a:r>
-            <a:r>
-              <a:rPr lang="en-US" sz="2400" b="1" dirty="0"/>
-              <a:t>thread/system</a:t>
-            </a:r>
-            <a:r>
-              <a:rPr lang="en-US" sz="2400" dirty="0"/>
-              <a:t> (like </a:t>
-            </a:r>
-            <a:r>
-              <a:rPr lang="en-US" sz="2400" b="1" dirty="0" err="1"/>
-              <a:t>libuv</a:t>
-            </a:r>
-            <a:r>
-              <a:rPr lang="en-US" sz="2400" dirty="0"/>
-              <a:t>, </a:t>
-            </a:r>
-            <a:r>
-              <a:rPr lang="en-US" sz="2400" b="1" dirty="0"/>
-              <a:t>OS</a:t>
-            </a:r>
-            <a:r>
-              <a:rPr lang="en-US" sz="2400" dirty="0"/>
-              <a:t>, etc.), and </a:t>
-            </a:r>
-            <a:r>
-              <a:rPr lang="en-US" sz="2400" b="1" dirty="0">
-                <a:solidFill>
-                  <a:srgbClr val="C00000"/>
-                </a:solidFill>
-              </a:rPr>
-              <a:t>does not block </a:t>
-            </a:r>
-            <a:r>
-              <a:rPr lang="en-US" sz="2400" dirty="0"/>
-              <a:t>the rest of the code from executing.</a:t>
-            </a:r>
-          </a:p>
-          <a:p>
-            <a:pPr marL="0" indent="0">
-              <a:buNone/>
-            </a:pPr>
-            <a:r>
-              <a:rPr lang="en-US" sz="2400" b="1" dirty="0"/>
-              <a:t>🔸 Example:</a:t>
-            </a:r>
-            <a:endParaRPr lang="en-IN" sz="2400" b="1" dirty="0"/>
-          </a:p>
-        </p:txBody>
-      </p:sp>
-      <p:pic>
-        <p:nvPicPr>
-          <p:cNvPr id="5" name="Picture 4">
-            <a:extLst>
-              <a:ext uri="{FF2B5EF4-FFF2-40B4-BE49-F238E27FC236}">
-                <a16:creationId xmlns:a16="http://schemas.microsoft.com/office/drawing/2014/main" id="{F4726979-97D9-C40A-CDB3-450BDAF82BEE}"/>
-              </a:ext>
-            </a:extLst>
-          </p:cNvPr>
-          <p:cNvPicPr>
-            <a:picLocks noChangeAspect="1"/>
-          </p:cNvPicPr>
-          <p:nvPr/>
-        </p:nvPicPr>
-        <p:blipFill>
-          <a:blip r:embed="rId2"/>
-          <a:stretch>
-            <a:fillRect/>
-          </a:stretch>
-        </p:blipFill>
-        <p:spPr>
-          <a:xfrm>
-            <a:off x="1003834" y="2628789"/>
-            <a:ext cx="8369172" cy="3532525"/>
-          </a:xfrm>
-          <a:prstGeom prst="rect">
-            <a:avLst/>
-          </a:prstGeom>
-        </p:spPr>
-      </p:pic>
-    </p:spTree>
-    <p:extLst>
-      <p:ext uri="{BB962C8B-B14F-4D97-AF65-F5344CB8AC3E}">
-        <p14:creationId xmlns:p14="http://schemas.microsoft.com/office/powerpoint/2010/main" val="4115866621"/>
       </p:ext>
     </p:extLst>
   </p:cSld>
@@ -26911,6 +27308,185 @@
         <p:cNvPr id="1" name="">
           <a:extLst>
             <a:ext uri="{FF2B5EF4-FFF2-40B4-BE49-F238E27FC236}">
+              <a16:creationId xmlns:a16="http://schemas.microsoft.com/office/drawing/2014/main" id="{9F7148E4-5E3D-73A3-0B8B-002FF6A908CE}"/>
+            </a:ext>
+          </a:extLst>
+        </p:cNvPr>
+        <p:cNvGrpSpPr/>
+        <p:nvPr/>
+      </p:nvGrpSpPr>
+      <p:grpSpPr>
+        <a:xfrm>
+          <a:off x="0" y="0"/>
+          <a:ext cx="0" cy="0"/>
+          <a:chOff x="0" y="0"/>
+          <a:chExt cx="0" cy="0"/>
+        </a:xfrm>
+      </p:grpSpPr>
+      <p:sp>
+        <p:nvSpPr>
+          <p:cNvPr id="3" name="Content Placeholder 2">
+            <a:extLst>
+              <a:ext uri="{FF2B5EF4-FFF2-40B4-BE49-F238E27FC236}">
+                <a16:creationId xmlns:a16="http://schemas.microsoft.com/office/drawing/2014/main" id="{D09A9AED-2187-E3E5-A96B-7C82DEC4D5FF}"/>
+              </a:ext>
+            </a:extLst>
+          </p:cNvPr>
+          <p:cNvSpPr>
+            <a:spLocks noGrp="1"/>
+          </p:cNvSpPr>
+          <p:nvPr>
+            <p:ph idx="1"/>
+          </p:nvPr>
+        </p:nvSpPr>
+        <p:spPr>
+          <a:xfrm>
+            <a:off x="777240" y="696686"/>
+            <a:ext cx="10659110" cy="5480277"/>
+          </a:xfrm>
+        </p:spPr>
+        <p:txBody>
+          <a:bodyPr>
+            <a:normAutofit/>
+          </a:bodyPr>
+          <a:lstStyle/>
+          <a:p>
+            <a:pPr marL="0" indent="0">
+              <a:buNone/>
+            </a:pPr>
+            <a:r>
+              <a:rPr lang="en-US" sz="2800" b="1" dirty="0"/>
+              <a:t>🌀 What is an Asynchronous Task?</a:t>
+            </a:r>
+          </a:p>
+          <a:p>
+            <a:pPr marL="0" indent="0">
+              <a:buNone/>
+            </a:pPr>
+            <a:r>
+              <a:rPr lang="en-US" sz="2400" dirty="0"/>
+              <a:t>An asynchronous task is one that is </a:t>
+            </a:r>
+            <a:r>
+              <a:rPr lang="en-US" sz="2400" b="1" dirty="0">
+                <a:solidFill>
+                  <a:srgbClr val="C00000"/>
+                </a:solidFill>
+              </a:rPr>
+              <a:t>delegated</a:t>
+            </a:r>
+            <a:r>
+              <a:rPr lang="en-US" sz="2400" dirty="0"/>
+              <a:t> to </a:t>
+            </a:r>
+            <a:r>
+              <a:rPr lang="en-US" sz="2400" b="1" dirty="0"/>
+              <a:t>another</a:t>
+            </a:r>
+            <a:r>
+              <a:rPr lang="en-US" sz="2400" dirty="0"/>
+              <a:t> </a:t>
+            </a:r>
+            <a:r>
+              <a:rPr lang="en-US" sz="2400" b="1" dirty="0"/>
+              <a:t>thread/system</a:t>
+            </a:r>
+            <a:r>
+              <a:rPr lang="en-US" sz="2400" dirty="0"/>
+              <a:t> (like </a:t>
+            </a:r>
+            <a:r>
+              <a:rPr lang="en-US" sz="2400" b="1" dirty="0" err="1"/>
+              <a:t>libuv</a:t>
+            </a:r>
+            <a:r>
+              <a:rPr lang="en-US" sz="2400" dirty="0"/>
+              <a:t>, </a:t>
+            </a:r>
+            <a:r>
+              <a:rPr lang="en-US" sz="2400" b="1" dirty="0"/>
+              <a:t>OS</a:t>
+            </a:r>
+            <a:r>
+              <a:rPr lang="en-US" sz="2400" dirty="0"/>
+              <a:t>, etc.), and </a:t>
+            </a:r>
+            <a:r>
+              <a:rPr lang="en-US" sz="2400" b="1" dirty="0">
+                <a:solidFill>
+                  <a:srgbClr val="C00000"/>
+                </a:solidFill>
+              </a:rPr>
+              <a:t>does not block </a:t>
+            </a:r>
+            <a:r>
+              <a:rPr lang="en-US" sz="2400" dirty="0"/>
+              <a:t>the rest of the code from executing.</a:t>
+            </a:r>
+          </a:p>
+          <a:p>
+            <a:pPr marL="0" indent="0">
+              <a:buNone/>
+            </a:pPr>
+            <a:r>
+              <a:rPr lang="en-US" sz="2400" b="1" dirty="0"/>
+              <a:t>🔸 Example:</a:t>
+            </a:r>
+            <a:endParaRPr lang="en-IN" sz="2400" b="1" dirty="0"/>
+          </a:p>
+        </p:txBody>
+      </p:sp>
+      <p:pic>
+        <p:nvPicPr>
+          <p:cNvPr id="5" name="Picture 4">
+            <a:extLst>
+              <a:ext uri="{FF2B5EF4-FFF2-40B4-BE49-F238E27FC236}">
+                <a16:creationId xmlns:a16="http://schemas.microsoft.com/office/drawing/2014/main" id="{F4726979-97D9-C40A-CDB3-450BDAF82BEE}"/>
+              </a:ext>
+            </a:extLst>
+          </p:cNvPr>
+          <p:cNvPicPr>
+            <a:picLocks noChangeAspect="1"/>
+          </p:cNvPicPr>
+          <p:nvPr/>
+        </p:nvPicPr>
+        <p:blipFill>
+          <a:blip r:embed="rId2"/>
+          <a:stretch>
+            <a:fillRect/>
+          </a:stretch>
+        </p:blipFill>
+        <p:spPr>
+          <a:xfrm>
+            <a:off x="1003834" y="2628789"/>
+            <a:ext cx="8369172" cy="3532525"/>
+          </a:xfrm>
+          <a:prstGeom prst="rect">
+            <a:avLst/>
+          </a:prstGeom>
+        </p:spPr>
+      </p:pic>
+    </p:spTree>
+    <p:extLst>
+      <p:ext uri="{BB962C8B-B14F-4D97-AF65-F5344CB8AC3E}">
+        <p14:creationId xmlns:p14="http://schemas.microsoft.com/office/powerpoint/2010/main" val="4115866621"/>
+      </p:ext>
+    </p:extLst>
+  </p:cSld>
+  <p:clrMapOvr>
+    <a:masterClrMapping/>
+  </p:clrMapOvr>
+</p:sld>
+</file>
+
+<file path=ppt/slides/slide51.xml><?xml version="1.0" encoding="utf-8"?>
+<p:sld xmlns:a="http://schemas.openxmlformats.org/drawingml/2006/main" xmlns:r="http://schemas.openxmlformats.org/officeDocument/2006/relationships" xmlns:p="http://schemas.openxmlformats.org/presentationml/2006/main">
+  <p:cSld>
+    <p:spTree>
+      <p:nvGrpSpPr>
+        <p:cNvPr id="1" name="">
+          <a:extLst>
+            <a:ext uri="{FF2B5EF4-FFF2-40B4-BE49-F238E27FC236}">
               <a16:creationId xmlns:a16="http://schemas.microsoft.com/office/drawing/2014/main" id="{AC3CEFE8-617B-8624-4620-16CF1F7A4B8A}"/>
             </a:ext>
           </a:extLst>
@@ -27013,7 +27589,7 @@
 </p:sld>
 </file>
 
-<file path=ppt/slides/slide51.xml><?xml version="1.0" encoding="utf-8"?>
+<file path=ppt/slides/slide52.xml><?xml version="1.0" encoding="utf-8"?>
 <p:sld xmlns:a="http://schemas.openxmlformats.org/drawingml/2006/main" xmlns:r="http://schemas.openxmlformats.org/officeDocument/2006/relationships" xmlns:p="http://schemas.openxmlformats.org/presentationml/2006/main">
   <p:cSld>
     <p:spTree>
@@ -27130,7 +27706,7 @@
 </p:sld>
 </file>
 
-<file path=ppt/slides/slide52.xml><?xml version="1.0" encoding="utf-8"?>
+<file path=ppt/slides/slide53.xml><?xml version="1.0" encoding="utf-8"?>
 <p:sld xmlns:a="http://schemas.openxmlformats.org/drawingml/2006/main" xmlns:r="http://schemas.openxmlformats.org/officeDocument/2006/relationships" xmlns:p="http://schemas.openxmlformats.org/presentationml/2006/main">
   <p:cSld>
     <p:spTree>
@@ -27213,7 +27789,7 @@
 </p:sld>
 </file>
 
-<file path=ppt/slides/slide53.xml><?xml version="1.0" encoding="utf-8"?>
+<file path=ppt/slides/slide54.xml><?xml version="1.0" encoding="utf-8"?>
 <p:sld xmlns:a="http://schemas.openxmlformats.org/drawingml/2006/main" xmlns:r="http://schemas.openxmlformats.org/officeDocument/2006/relationships" xmlns:p="http://schemas.openxmlformats.org/presentationml/2006/main">
   <p:cSld>
     <p:spTree>
@@ -27543,7 +28119,7 @@
 </p:sld>
 </file>
 
-<file path=ppt/slides/slide54.xml><?xml version="1.0" encoding="utf-8"?>
+<file path=ppt/slides/slide55.xml><?xml version="1.0" encoding="utf-8"?>
 <p:sld xmlns:a="http://schemas.openxmlformats.org/drawingml/2006/main" xmlns:r="http://schemas.openxmlformats.org/officeDocument/2006/relationships" xmlns:p="http://schemas.openxmlformats.org/presentationml/2006/main">
   <p:cSld>
     <p:spTree>
@@ -27677,7 +28253,7 @@
 </p:sld>
 </file>
 
-<file path=ppt/slides/slide55.xml><?xml version="1.0" encoding="utf-8"?>
+<file path=ppt/slides/slide56.xml><?xml version="1.0" encoding="utf-8"?>
 <p:sld xmlns:a="http://schemas.openxmlformats.org/drawingml/2006/main" xmlns:r="http://schemas.openxmlformats.org/officeDocument/2006/relationships" xmlns:p="http://schemas.openxmlformats.org/presentationml/2006/main">
   <p:cSld>
     <p:spTree>
@@ -27883,7 +28459,7 @@
 </p:sld>
 </file>
 
-<file path=ppt/slides/slide56.xml><?xml version="1.0" encoding="utf-8"?>
+<file path=ppt/slides/slide57.xml><?xml version="1.0" encoding="utf-8"?>
 <p:sld xmlns:a="http://schemas.openxmlformats.org/drawingml/2006/main" xmlns:r="http://schemas.openxmlformats.org/officeDocument/2006/relationships" xmlns:p="http://schemas.openxmlformats.org/presentationml/2006/main">
   <p:cSld>
     <p:spTree>
@@ -28210,7 +28786,7 @@
 </p:sld>
 </file>
 
-<file path=ppt/slides/slide57.xml><?xml version="1.0" encoding="utf-8"?>
+<file path=ppt/slides/slide58.xml><?xml version="1.0" encoding="utf-8"?>
 <p:sld xmlns:a="http://schemas.openxmlformats.org/drawingml/2006/main" xmlns:r="http://schemas.openxmlformats.org/officeDocument/2006/relationships" xmlns:p="http://schemas.openxmlformats.org/presentationml/2006/main">
   <p:cSld>
     <p:spTree>
@@ -28416,7 +28992,7 @@
 </p:sld>
 </file>
 
-<file path=ppt/slides/slide58.xml><?xml version="1.0" encoding="utf-8"?>
+<file path=ppt/slides/slide59.xml><?xml version="1.0" encoding="utf-8"?>
 <p:sld xmlns:a="http://schemas.openxmlformats.org/drawingml/2006/main" xmlns:r="http://schemas.openxmlformats.org/officeDocument/2006/relationships" xmlns:p="http://schemas.openxmlformats.org/presentationml/2006/main">
   <p:cSld>
     <p:spTree>
@@ -28701,251 +29277,6 @@
 </p:sld>
 </file>
 
-<file path=ppt/slides/slide59.xml><?xml version="1.0" encoding="utf-8"?>
-<p:sld xmlns:a="http://schemas.openxmlformats.org/drawingml/2006/main" xmlns:r="http://schemas.openxmlformats.org/officeDocument/2006/relationships" xmlns:p="http://schemas.openxmlformats.org/presentationml/2006/main">
-  <p:cSld>
-    <p:spTree>
-      <p:nvGrpSpPr>
-        <p:cNvPr id="1" name="">
-          <a:extLst>
-            <a:ext uri="{FF2B5EF4-FFF2-40B4-BE49-F238E27FC236}">
-              <a16:creationId xmlns:a16="http://schemas.microsoft.com/office/drawing/2014/main" id="{63875F5F-2FC0-2CA4-C69F-AA5455F30B52}"/>
-            </a:ext>
-          </a:extLst>
-        </p:cNvPr>
-        <p:cNvGrpSpPr/>
-        <p:nvPr/>
-      </p:nvGrpSpPr>
-      <p:grpSpPr>
-        <a:xfrm>
-          <a:off x="0" y="0"/>
-          <a:ext cx="0" cy="0"/>
-          <a:chOff x="0" y="0"/>
-          <a:chExt cx="0" cy="0"/>
-        </a:xfrm>
-      </p:grpSpPr>
-      <p:sp>
-        <p:nvSpPr>
-          <p:cNvPr id="3" name="Content Placeholder 2">
-            <a:extLst>
-              <a:ext uri="{FF2B5EF4-FFF2-40B4-BE49-F238E27FC236}">
-                <a16:creationId xmlns:a16="http://schemas.microsoft.com/office/drawing/2014/main" id="{411785FC-CF7A-2BDA-F499-ADEA8A423685}"/>
-              </a:ext>
-            </a:extLst>
-          </p:cNvPr>
-          <p:cNvSpPr>
-            <a:spLocks noGrp="1"/>
-          </p:cNvSpPr>
-          <p:nvPr>
-            <p:ph idx="1"/>
-          </p:nvPr>
-        </p:nvSpPr>
-        <p:spPr>
-          <a:xfrm>
-            <a:off x="766445" y="1001485"/>
-            <a:ext cx="10659110" cy="4855029"/>
-          </a:xfrm>
-        </p:spPr>
-        <p:txBody>
-          <a:bodyPr>
-            <a:normAutofit/>
-          </a:bodyPr>
-          <a:lstStyle/>
-          <a:p>
-            <a:pPr marL="0" indent="0">
-              <a:buNone/>
-            </a:pPr>
-            <a:r>
-              <a:rPr lang="en-US" sz="2400" b="1" dirty="0"/>
-              <a:t>2. Local Modules:</a:t>
-            </a:r>
-          </a:p>
-          <a:p>
-            <a:pPr marL="0" indent="0">
-              <a:buNone/>
-            </a:pPr>
-            <a:r>
-              <a:rPr lang="en-US" sz="2400" dirty="0"/>
-              <a:t>Local Modules in Node.js are </a:t>
-            </a:r>
-            <a:r>
-              <a:rPr lang="en-US" sz="2400" b="1" dirty="0">
-                <a:solidFill>
-                  <a:srgbClr val="C00000"/>
-                </a:solidFill>
-              </a:rPr>
-              <a:t>custom modules </a:t>
-            </a:r>
-            <a:r>
-              <a:rPr lang="en-US" sz="2400" b="1" dirty="0"/>
-              <a:t>created by developers </a:t>
-            </a:r>
-            <a:r>
-              <a:rPr lang="en-US" sz="2400" dirty="0"/>
-              <a:t>to </a:t>
-            </a:r>
-            <a:r>
-              <a:rPr lang="en-US" sz="2400" b="1" dirty="0">
-                <a:solidFill>
-                  <a:srgbClr val="C00000"/>
-                </a:solidFill>
-              </a:rPr>
-              <a:t>encapsulate</a:t>
-            </a:r>
-            <a:r>
-              <a:rPr lang="en-US" sz="2400" dirty="0"/>
-              <a:t> </a:t>
-            </a:r>
-            <a:r>
-              <a:rPr lang="en-US" sz="2400" b="1" dirty="0"/>
-              <a:t>specific functionality </a:t>
-            </a:r>
-            <a:r>
-              <a:rPr lang="en-US" sz="2400" dirty="0"/>
-              <a:t>within their applications. Unlike </a:t>
-            </a:r>
-            <a:r>
-              <a:rPr lang="en-US" sz="2400" b="1" dirty="0"/>
-              <a:t>core modules </a:t>
-            </a:r>
-            <a:r>
-              <a:rPr lang="en-US" sz="2400" dirty="0"/>
-              <a:t>(built into Node.js) or </a:t>
-            </a:r>
-            <a:r>
-              <a:rPr lang="en-US" sz="2400" b="1" dirty="0"/>
-              <a:t>third-party modules </a:t>
-            </a:r>
-            <a:r>
-              <a:rPr lang="en-US" sz="2400" dirty="0"/>
-              <a:t>(installed via </a:t>
-            </a:r>
-            <a:r>
-              <a:rPr lang="en-US" sz="2400" dirty="0" err="1"/>
-              <a:t>npm</a:t>
-            </a:r>
-            <a:r>
-              <a:rPr lang="en-US" sz="2400" dirty="0"/>
-              <a:t>), </a:t>
-            </a:r>
-            <a:r>
-              <a:rPr lang="en-US" sz="2400" b="1" dirty="0"/>
-              <a:t>local modules are </a:t>
-            </a:r>
-            <a:r>
-              <a:rPr lang="en-US" sz="2400" b="1" dirty="0">
-                <a:solidFill>
-                  <a:srgbClr val="002060"/>
-                </a:solidFill>
-              </a:rPr>
-              <a:t>part of your project</a:t>
-            </a:r>
-            <a:r>
-              <a:rPr lang="en-US" sz="2400" dirty="0"/>
-              <a:t>, often created to organize and reuse code.</a:t>
-            </a:r>
-          </a:p>
-          <a:p>
-            <a:pPr marL="0" indent="0">
-              <a:buNone/>
-            </a:pPr>
-            <a:endParaRPr lang="en-US" sz="800" dirty="0"/>
-          </a:p>
-          <a:p>
-            <a:pPr marL="0" indent="0">
-              <a:buNone/>
-            </a:pPr>
-            <a:r>
-              <a:rPr lang="en-US" sz="2400" b="1" dirty="0"/>
-              <a:t>Characteristics of Local Modules:</a:t>
-            </a:r>
-          </a:p>
-          <a:p>
-            <a:r>
-              <a:rPr lang="en-US" sz="2400" b="1" dirty="0"/>
-              <a:t>Custom-built: </a:t>
-            </a:r>
-            <a:r>
-              <a:rPr lang="en-US" sz="2400" dirty="0"/>
-              <a:t>Designed to address specific requirements of the application.</a:t>
-            </a:r>
-          </a:p>
-          <a:p>
-            <a:r>
-              <a:rPr lang="en-US" sz="2400" b="1" dirty="0"/>
-              <a:t>Reusable: </a:t>
-            </a:r>
-            <a:r>
-              <a:rPr lang="en-US" sz="2400" dirty="0"/>
-              <a:t>Can be </a:t>
-            </a:r>
-            <a:r>
-              <a:rPr lang="en-US" sz="2400" b="1" dirty="0"/>
-              <a:t>imported</a:t>
-            </a:r>
-            <a:r>
-              <a:rPr lang="en-US" sz="2400" dirty="0"/>
-              <a:t> and </a:t>
-            </a:r>
-            <a:r>
-              <a:rPr lang="en-US" sz="2400" b="1" dirty="0"/>
-              <a:t>used</a:t>
-            </a:r>
-            <a:r>
-              <a:rPr lang="en-US" sz="2400" dirty="0"/>
-              <a:t> across </a:t>
-            </a:r>
-            <a:r>
-              <a:rPr lang="en-US" sz="2400" b="1" dirty="0"/>
-              <a:t>different parts of the project</a:t>
-            </a:r>
-            <a:r>
-              <a:rPr lang="en-US" sz="2400" dirty="0"/>
-              <a:t>.</a:t>
-            </a:r>
-          </a:p>
-          <a:p>
-            <a:r>
-              <a:rPr lang="en-US" sz="2400" b="1" dirty="0"/>
-              <a:t>File-based: </a:t>
-            </a:r>
-            <a:r>
-              <a:rPr lang="en-US" sz="2400" dirty="0"/>
-              <a:t>Each local module </a:t>
-            </a:r>
-            <a:r>
-              <a:rPr lang="en-US" sz="2400" b="1" dirty="0"/>
-              <a:t>corresponds to a JavaScript file </a:t>
-            </a:r>
-            <a:r>
-              <a:rPr lang="en-US" sz="2400" dirty="0"/>
-              <a:t>or a </a:t>
-            </a:r>
-            <a:r>
-              <a:rPr lang="en-US" sz="2400" b="1" dirty="0"/>
-              <a:t>set of files </a:t>
-            </a:r>
-            <a:r>
-              <a:rPr lang="en-US" sz="2400" dirty="0"/>
-              <a:t>in your project</a:t>
-            </a:r>
-            <a:endParaRPr lang="en-IN" sz="2400" dirty="0"/>
-          </a:p>
-        </p:txBody>
-      </p:sp>
-    </p:spTree>
-    <p:extLst>
-      <p:ext uri="{BB962C8B-B14F-4D97-AF65-F5344CB8AC3E}">
-        <p14:creationId xmlns:p14="http://schemas.microsoft.com/office/powerpoint/2010/main" val="3279370306"/>
-      </p:ext>
-    </p:extLst>
-  </p:cSld>
-  <p:clrMapOvr>
-    <a:masterClrMapping/>
-  </p:clrMapOvr>
-</p:sld>
-</file>
-
 <file path=ppt/slides/slide6.xml><?xml version="1.0" encoding="utf-8"?>
 <p:sld xmlns:a="http://schemas.openxmlformats.org/drawingml/2006/main" xmlns:r="http://schemas.openxmlformats.org/officeDocument/2006/relationships" xmlns:p="http://schemas.openxmlformats.org/presentationml/2006/main">
   <p:cSld>
@@ -29273,6 +29604,251 @@
         <p:cNvPr id="1" name="">
           <a:extLst>
             <a:ext uri="{FF2B5EF4-FFF2-40B4-BE49-F238E27FC236}">
+              <a16:creationId xmlns:a16="http://schemas.microsoft.com/office/drawing/2014/main" id="{63875F5F-2FC0-2CA4-C69F-AA5455F30B52}"/>
+            </a:ext>
+          </a:extLst>
+        </p:cNvPr>
+        <p:cNvGrpSpPr/>
+        <p:nvPr/>
+      </p:nvGrpSpPr>
+      <p:grpSpPr>
+        <a:xfrm>
+          <a:off x="0" y="0"/>
+          <a:ext cx="0" cy="0"/>
+          <a:chOff x="0" y="0"/>
+          <a:chExt cx="0" cy="0"/>
+        </a:xfrm>
+      </p:grpSpPr>
+      <p:sp>
+        <p:nvSpPr>
+          <p:cNvPr id="3" name="Content Placeholder 2">
+            <a:extLst>
+              <a:ext uri="{FF2B5EF4-FFF2-40B4-BE49-F238E27FC236}">
+                <a16:creationId xmlns:a16="http://schemas.microsoft.com/office/drawing/2014/main" id="{411785FC-CF7A-2BDA-F499-ADEA8A423685}"/>
+              </a:ext>
+            </a:extLst>
+          </p:cNvPr>
+          <p:cNvSpPr>
+            <a:spLocks noGrp="1"/>
+          </p:cNvSpPr>
+          <p:nvPr>
+            <p:ph idx="1"/>
+          </p:nvPr>
+        </p:nvSpPr>
+        <p:spPr>
+          <a:xfrm>
+            <a:off x="766445" y="1001485"/>
+            <a:ext cx="10659110" cy="4855029"/>
+          </a:xfrm>
+        </p:spPr>
+        <p:txBody>
+          <a:bodyPr>
+            <a:normAutofit/>
+          </a:bodyPr>
+          <a:lstStyle/>
+          <a:p>
+            <a:pPr marL="0" indent="0">
+              <a:buNone/>
+            </a:pPr>
+            <a:r>
+              <a:rPr lang="en-US" sz="2400" b="1" dirty="0"/>
+              <a:t>2. Local Modules:</a:t>
+            </a:r>
+          </a:p>
+          <a:p>
+            <a:pPr marL="0" indent="0">
+              <a:buNone/>
+            </a:pPr>
+            <a:r>
+              <a:rPr lang="en-US" sz="2400" dirty="0"/>
+              <a:t>Local Modules in Node.js are </a:t>
+            </a:r>
+            <a:r>
+              <a:rPr lang="en-US" sz="2400" b="1" dirty="0">
+                <a:solidFill>
+                  <a:srgbClr val="C00000"/>
+                </a:solidFill>
+              </a:rPr>
+              <a:t>custom modules </a:t>
+            </a:r>
+            <a:r>
+              <a:rPr lang="en-US" sz="2400" b="1" dirty="0"/>
+              <a:t>created by developers </a:t>
+            </a:r>
+            <a:r>
+              <a:rPr lang="en-US" sz="2400" dirty="0"/>
+              <a:t>to </a:t>
+            </a:r>
+            <a:r>
+              <a:rPr lang="en-US" sz="2400" b="1" dirty="0">
+                <a:solidFill>
+                  <a:srgbClr val="C00000"/>
+                </a:solidFill>
+              </a:rPr>
+              <a:t>encapsulate</a:t>
+            </a:r>
+            <a:r>
+              <a:rPr lang="en-US" sz="2400" dirty="0"/>
+              <a:t> </a:t>
+            </a:r>
+            <a:r>
+              <a:rPr lang="en-US" sz="2400" b="1" dirty="0"/>
+              <a:t>specific functionality </a:t>
+            </a:r>
+            <a:r>
+              <a:rPr lang="en-US" sz="2400" dirty="0"/>
+              <a:t>within their applications. Unlike </a:t>
+            </a:r>
+            <a:r>
+              <a:rPr lang="en-US" sz="2400" b="1" dirty="0"/>
+              <a:t>core modules </a:t>
+            </a:r>
+            <a:r>
+              <a:rPr lang="en-US" sz="2400" dirty="0"/>
+              <a:t>(built into Node.js) or </a:t>
+            </a:r>
+            <a:r>
+              <a:rPr lang="en-US" sz="2400" b="1" dirty="0"/>
+              <a:t>third-party modules </a:t>
+            </a:r>
+            <a:r>
+              <a:rPr lang="en-US" sz="2400" dirty="0"/>
+              <a:t>(installed via </a:t>
+            </a:r>
+            <a:r>
+              <a:rPr lang="en-US" sz="2400" dirty="0" err="1"/>
+              <a:t>npm</a:t>
+            </a:r>
+            <a:r>
+              <a:rPr lang="en-US" sz="2400" dirty="0"/>
+              <a:t>), </a:t>
+            </a:r>
+            <a:r>
+              <a:rPr lang="en-US" sz="2400" b="1" dirty="0"/>
+              <a:t>local modules are </a:t>
+            </a:r>
+            <a:r>
+              <a:rPr lang="en-US" sz="2400" b="1" dirty="0">
+                <a:solidFill>
+                  <a:srgbClr val="002060"/>
+                </a:solidFill>
+              </a:rPr>
+              <a:t>part of your project</a:t>
+            </a:r>
+            <a:r>
+              <a:rPr lang="en-US" sz="2400" dirty="0"/>
+              <a:t>, often created to organize and reuse code.</a:t>
+            </a:r>
+          </a:p>
+          <a:p>
+            <a:pPr marL="0" indent="0">
+              <a:buNone/>
+            </a:pPr>
+            <a:endParaRPr lang="en-US" sz="800" dirty="0"/>
+          </a:p>
+          <a:p>
+            <a:pPr marL="0" indent="0">
+              <a:buNone/>
+            </a:pPr>
+            <a:r>
+              <a:rPr lang="en-US" sz="2400" b="1" dirty="0"/>
+              <a:t>Characteristics of Local Modules:</a:t>
+            </a:r>
+          </a:p>
+          <a:p>
+            <a:r>
+              <a:rPr lang="en-US" sz="2400" b="1" dirty="0"/>
+              <a:t>Custom-built: </a:t>
+            </a:r>
+            <a:r>
+              <a:rPr lang="en-US" sz="2400" dirty="0"/>
+              <a:t>Designed to address specific requirements of the application.</a:t>
+            </a:r>
+          </a:p>
+          <a:p>
+            <a:r>
+              <a:rPr lang="en-US" sz="2400" b="1" dirty="0"/>
+              <a:t>Reusable: </a:t>
+            </a:r>
+            <a:r>
+              <a:rPr lang="en-US" sz="2400" dirty="0"/>
+              <a:t>Can be </a:t>
+            </a:r>
+            <a:r>
+              <a:rPr lang="en-US" sz="2400" b="1" dirty="0"/>
+              <a:t>imported</a:t>
+            </a:r>
+            <a:r>
+              <a:rPr lang="en-US" sz="2400" dirty="0"/>
+              <a:t> and </a:t>
+            </a:r>
+            <a:r>
+              <a:rPr lang="en-US" sz="2400" b="1" dirty="0"/>
+              <a:t>used</a:t>
+            </a:r>
+            <a:r>
+              <a:rPr lang="en-US" sz="2400" dirty="0"/>
+              <a:t> across </a:t>
+            </a:r>
+            <a:r>
+              <a:rPr lang="en-US" sz="2400" b="1" dirty="0"/>
+              <a:t>different parts of the project</a:t>
+            </a:r>
+            <a:r>
+              <a:rPr lang="en-US" sz="2400" dirty="0"/>
+              <a:t>.</a:t>
+            </a:r>
+          </a:p>
+          <a:p>
+            <a:r>
+              <a:rPr lang="en-US" sz="2400" b="1" dirty="0"/>
+              <a:t>File-based: </a:t>
+            </a:r>
+            <a:r>
+              <a:rPr lang="en-US" sz="2400" dirty="0"/>
+              <a:t>Each local module </a:t>
+            </a:r>
+            <a:r>
+              <a:rPr lang="en-US" sz="2400" b="1" dirty="0"/>
+              <a:t>corresponds to a JavaScript file </a:t>
+            </a:r>
+            <a:r>
+              <a:rPr lang="en-US" sz="2400" dirty="0"/>
+              <a:t>or a </a:t>
+            </a:r>
+            <a:r>
+              <a:rPr lang="en-US" sz="2400" b="1" dirty="0"/>
+              <a:t>set of files </a:t>
+            </a:r>
+            <a:r>
+              <a:rPr lang="en-US" sz="2400" dirty="0"/>
+              <a:t>in your project</a:t>
+            </a:r>
+            <a:endParaRPr lang="en-IN" sz="2400" dirty="0"/>
+          </a:p>
+        </p:txBody>
+      </p:sp>
+    </p:spTree>
+    <p:extLst>
+      <p:ext uri="{BB962C8B-B14F-4D97-AF65-F5344CB8AC3E}">
+        <p14:creationId xmlns:p14="http://schemas.microsoft.com/office/powerpoint/2010/main" val="3279370306"/>
+      </p:ext>
+    </p:extLst>
+  </p:cSld>
+  <p:clrMapOvr>
+    <a:masterClrMapping/>
+  </p:clrMapOvr>
+</p:sld>
+</file>
+
+<file path=ppt/slides/slide61.xml><?xml version="1.0" encoding="utf-8"?>
+<p:sld xmlns:a="http://schemas.openxmlformats.org/drawingml/2006/main" xmlns:r="http://schemas.openxmlformats.org/officeDocument/2006/relationships" xmlns:p="http://schemas.openxmlformats.org/presentationml/2006/main">
+  <p:cSld>
+    <p:spTree>
+      <p:nvGrpSpPr>
+        <p:cNvPr id="1" name="">
+          <a:extLst>
+            <a:ext uri="{FF2B5EF4-FFF2-40B4-BE49-F238E27FC236}">
               <a16:creationId xmlns:a16="http://schemas.microsoft.com/office/drawing/2014/main" id="{9D583944-3AAC-2EB5-16F5-07ED77E1EC21}"/>
             </a:ext>
           </a:extLst>
@@ -29476,7 +30052,7 @@
 </p:sld>
 </file>
 
-<file path=ppt/slides/slide61.xml><?xml version="1.0" encoding="utf-8"?>
+<file path=ppt/slides/slide62.xml><?xml version="1.0" encoding="utf-8"?>
 <p:sld xmlns:a="http://schemas.openxmlformats.org/drawingml/2006/main" xmlns:r="http://schemas.openxmlformats.org/officeDocument/2006/relationships" xmlns:p="http://schemas.openxmlformats.org/presentationml/2006/main">
   <p:cSld>
     <p:spTree>
@@ -29617,7 +30193,7 @@
 </p:sld>
 </file>
 
-<file path=ppt/slides/slide62.xml><?xml version="1.0" encoding="utf-8"?>
+<file path=ppt/slides/slide63.xml><?xml version="1.0" encoding="utf-8"?>
 <p:sld xmlns:a="http://schemas.openxmlformats.org/drawingml/2006/main" xmlns:r="http://schemas.openxmlformats.org/officeDocument/2006/relationships" xmlns:p="http://schemas.openxmlformats.org/presentationml/2006/main">
   <p:cSld>
     <p:spTree>
@@ -29958,7 +30534,7 @@
 </p:sld>
 </file>
 
-<file path=ppt/slides/slide63.xml><?xml version="1.0" encoding="utf-8"?>
+<file path=ppt/slides/slide64.xml><?xml version="1.0" encoding="utf-8"?>
 <p:sld xmlns:a="http://schemas.openxmlformats.org/drawingml/2006/main" xmlns:r="http://schemas.openxmlformats.org/officeDocument/2006/relationships" xmlns:p="http://schemas.openxmlformats.org/presentationml/2006/main">
   <p:cSld>
     <p:spTree>
@@ -30286,7 +30862,7 @@
 </p:sld>
 </file>
 
-<file path=ppt/slides/slide64.xml><?xml version="1.0" encoding="utf-8"?>
+<file path=ppt/slides/slide65.xml><?xml version="1.0" encoding="utf-8"?>
 <p:sld xmlns:a="http://schemas.openxmlformats.org/drawingml/2006/main" xmlns:r="http://schemas.openxmlformats.org/officeDocument/2006/relationships" xmlns:p="http://schemas.openxmlformats.org/presentationml/2006/main">
   <p:cSld>
     <p:spTree>
@@ -30488,7 +31064,7 @@
 </p:sld>
 </file>
 
-<file path=ppt/slides/slide65.xml><?xml version="1.0" encoding="utf-8"?>
+<file path=ppt/slides/slide66.xml><?xml version="1.0" encoding="utf-8"?>
 <p:sld xmlns:a="http://schemas.openxmlformats.org/drawingml/2006/main" xmlns:r="http://schemas.openxmlformats.org/officeDocument/2006/relationships" xmlns:p="http://schemas.openxmlformats.org/presentationml/2006/main">
   <p:cSld>
     <p:spTree>
@@ -30598,7 +31174,7 @@
 </p:sld>
 </file>
 
-<file path=ppt/slides/slide66.xml><?xml version="1.0" encoding="utf-8"?>
+<file path=ppt/slides/slide67.xml><?xml version="1.0" encoding="utf-8"?>
 <p:sld xmlns:a="http://schemas.openxmlformats.org/drawingml/2006/main" xmlns:r="http://schemas.openxmlformats.org/officeDocument/2006/relationships" xmlns:p="http://schemas.openxmlformats.org/presentationml/2006/main">
   <p:cSld>
     <p:spTree>
@@ -30815,7 +31391,7 @@
 </p:sld>
 </file>
 
-<file path=ppt/slides/slide67.xml><?xml version="1.0" encoding="utf-8"?>
+<file path=ppt/slides/slide68.xml><?xml version="1.0" encoding="utf-8"?>
 <p:sld xmlns:a="http://schemas.openxmlformats.org/drawingml/2006/main" xmlns:r="http://schemas.openxmlformats.org/officeDocument/2006/relationships" xmlns:p="http://schemas.openxmlformats.org/presentationml/2006/main">
   <p:cSld>
     <p:spTree>
@@ -30920,7 +31496,7 @@
 </p:sld>
 </file>
 
-<file path=ppt/slides/slide68.xml><?xml version="1.0" encoding="utf-8"?>
+<file path=ppt/slides/slide69.xml><?xml version="1.0" encoding="utf-8"?>
 <p:sld xmlns:a="http://schemas.openxmlformats.org/drawingml/2006/main" xmlns:r="http://schemas.openxmlformats.org/officeDocument/2006/relationships" xmlns:p="http://schemas.openxmlformats.org/presentationml/2006/main">
   <p:cSld>
     <p:bg>
@@ -33083,272 +33659,6 @@
 </p:sld>
 </file>
 
-<file path=ppt/slides/slide69.xml><?xml version="1.0" encoding="utf-8"?>
-<p:sld xmlns:a="http://schemas.openxmlformats.org/drawingml/2006/main" xmlns:r="http://schemas.openxmlformats.org/officeDocument/2006/relationships" xmlns:p="http://schemas.openxmlformats.org/presentationml/2006/main">
-  <p:cSld>
-    <p:spTree>
-      <p:nvGrpSpPr>
-        <p:cNvPr id="1" name="">
-          <a:extLst>
-            <a:ext uri="{FF2B5EF4-FFF2-40B4-BE49-F238E27FC236}">
-              <a16:creationId xmlns:a16="http://schemas.microsoft.com/office/drawing/2014/main" id="{C41A460D-ECCD-26D1-1F94-BE84BBA9CB27}"/>
-            </a:ext>
-          </a:extLst>
-        </p:cNvPr>
-        <p:cNvGrpSpPr/>
-        <p:nvPr/>
-      </p:nvGrpSpPr>
-      <p:grpSpPr>
-        <a:xfrm>
-          <a:off x="0" y="0"/>
-          <a:ext cx="0" cy="0"/>
-          <a:chOff x="0" y="0"/>
-          <a:chExt cx="0" cy="0"/>
-        </a:xfrm>
-      </p:grpSpPr>
-      <p:sp>
-        <p:nvSpPr>
-          <p:cNvPr id="3" name="Content Placeholder 2">
-            <a:extLst>
-              <a:ext uri="{FF2B5EF4-FFF2-40B4-BE49-F238E27FC236}">
-                <a16:creationId xmlns:a16="http://schemas.microsoft.com/office/drawing/2014/main" id="{34D734FE-2B30-B1F2-B8D1-D762C61E7804}"/>
-              </a:ext>
-            </a:extLst>
-          </p:cNvPr>
-          <p:cNvSpPr>
-            <a:spLocks noGrp="1"/>
-          </p:cNvSpPr>
-          <p:nvPr>
-            <p:ph idx="1"/>
-          </p:nvPr>
-        </p:nvSpPr>
-        <p:spPr>
-          <a:xfrm>
-            <a:off x="777240" y="696686"/>
-            <a:ext cx="10659110" cy="5480277"/>
-          </a:xfrm>
-        </p:spPr>
-        <p:txBody>
-          <a:bodyPr>
-            <a:normAutofit/>
-          </a:bodyPr>
-          <a:lstStyle/>
-          <a:p>
-            <a:pPr marL="0" indent="0">
-              <a:buNone/>
-            </a:pPr>
-            <a:r>
-              <a:rPr lang="en-US" sz="2800" b="1" dirty="0"/>
-              <a:t>Functioning Of Ports</a:t>
-            </a:r>
-          </a:p>
-          <a:p>
-            <a:pPr marL="0" indent="0">
-              <a:buNone/>
-            </a:pPr>
-            <a:r>
-              <a:rPr lang="en-US" sz="2400" dirty="0"/>
-              <a:t>A </a:t>
-            </a:r>
-            <a:r>
-              <a:rPr lang="en-US" sz="2400" b="1" dirty="0">
-                <a:solidFill>
-                  <a:srgbClr val="C00000"/>
-                </a:solidFill>
-              </a:rPr>
-              <a:t>port</a:t>
-            </a:r>
-            <a:r>
-              <a:rPr lang="en-US" sz="2400" dirty="0"/>
-              <a:t> always functions </a:t>
-            </a:r>
-            <a:r>
-              <a:rPr lang="en-US" sz="2400" b="1" dirty="0"/>
-              <a:t>along with </a:t>
-            </a:r>
-            <a:r>
-              <a:rPr lang="en-US" sz="2400" dirty="0"/>
-              <a:t>an </a:t>
-            </a:r>
-            <a:r>
-              <a:rPr lang="en-US" sz="2400" b="1" dirty="0">
-                <a:solidFill>
-                  <a:srgbClr val="C00000"/>
-                </a:solidFill>
-              </a:rPr>
-              <a:t>IP address</a:t>
-            </a:r>
-            <a:r>
-              <a:rPr lang="en-US" sz="2400" dirty="0"/>
-              <a:t>. An IP address is a </a:t>
-            </a:r>
-            <a:r>
-              <a:rPr lang="en-US" sz="2400" b="1" dirty="0"/>
-              <a:t>numeric address </a:t>
-            </a:r>
-            <a:r>
-              <a:rPr lang="en-US" sz="2400" dirty="0"/>
-              <a:t>that acts as an </a:t>
-            </a:r>
-            <a:r>
-              <a:rPr lang="en-US" sz="2400" b="1" dirty="0">
-                <a:solidFill>
-                  <a:srgbClr val="C00000"/>
-                </a:solidFill>
-              </a:rPr>
-              <a:t>identifier</a:t>
-            </a:r>
-            <a:r>
-              <a:rPr lang="en-US" sz="2400" dirty="0"/>
-              <a:t> for a computer or a device on a network. </a:t>
-            </a:r>
-          </a:p>
-          <a:p>
-            <a:pPr marL="0" indent="0">
-              <a:buNone/>
-            </a:pPr>
-            <a:r>
-              <a:rPr lang="en-US" sz="2400" dirty="0"/>
-              <a:t>For communication purposes, each device needs to have an </a:t>
-            </a:r>
-            <a:r>
-              <a:rPr lang="en-US" sz="2400" b="1" dirty="0"/>
-              <a:t>IP address</a:t>
-            </a:r>
-            <a:r>
-              <a:rPr lang="en-US" sz="2400" dirty="0"/>
-              <a:t>. An IP address and a port number work in sync to </a:t>
-            </a:r>
-            <a:r>
-              <a:rPr lang="en-US" sz="2400" b="1" dirty="0">
-                <a:solidFill>
-                  <a:srgbClr val="002060"/>
-                </a:solidFill>
-              </a:rPr>
-              <a:t>exchange data on a network</a:t>
-            </a:r>
-            <a:r>
-              <a:rPr lang="en-US" sz="2400" dirty="0"/>
-              <a:t>.</a:t>
-            </a:r>
-          </a:p>
-          <a:p>
-            <a:pPr marL="0" indent="0">
-              <a:buNone/>
-            </a:pPr>
-            <a:endParaRPr lang="en-US" sz="800" dirty="0"/>
-          </a:p>
-          <a:p>
-            <a:pPr marL="0" indent="0">
-              <a:buNone/>
-            </a:pPr>
-            <a:r>
-              <a:rPr lang="en-US" sz="2400" b="1" dirty="0"/>
-              <a:t>🔚 Final Conclusion:</a:t>
-            </a:r>
-          </a:p>
-          <a:p>
-            <a:r>
-              <a:rPr lang="en-US" sz="2400" dirty="0"/>
-              <a:t>A </a:t>
-            </a:r>
-            <a:r>
-              <a:rPr lang="en-US" sz="2400" b="1" dirty="0">
-                <a:solidFill>
-                  <a:srgbClr val="C00000"/>
-                </a:solidFill>
-              </a:rPr>
-              <a:t>domain</a:t>
-            </a:r>
-            <a:r>
-              <a:rPr lang="en-US" sz="2400" dirty="0"/>
-              <a:t> (or IP address) like </a:t>
-            </a:r>
-            <a:r>
-              <a:rPr lang="en-US" sz="2400" b="1" dirty="0"/>
-              <a:t>localhost</a:t>
-            </a:r>
-            <a:r>
-              <a:rPr lang="en-US" sz="2400" dirty="0"/>
-              <a:t> or </a:t>
-            </a:r>
-            <a:r>
-              <a:rPr lang="en-US" sz="2400" b="1" dirty="0"/>
-              <a:t>example.com </a:t>
-            </a:r>
-            <a:r>
-              <a:rPr lang="en-US" sz="2400" b="1" dirty="0">
-                <a:solidFill>
-                  <a:srgbClr val="002060"/>
-                </a:solidFill>
-              </a:rPr>
-              <a:t>identifies a machine </a:t>
-            </a:r>
-            <a:r>
-              <a:rPr lang="en-US" sz="2400" dirty="0"/>
-              <a:t>(or server).</a:t>
-            </a:r>
-          </a:p>
-          <a:p>
-            <a:r>
-              <a:rPr lang="en-US" sz="2400" dirty="0"/>
-              <a:t>But a machine can run </a:t>
-            </a:r>
-            <a:r>
-              <a:rPr lang="en-US" sz="2400" b="1" dirty="0"/>
-              <a:t>multiple</a:t>
-            </a:r>
-            <a:r>
-              <a:rPr lang="en-US" sz="2400" dirty="0"/>
-              <a:t> services/servers at the same time.</a:t>
-            </a:r>
-          </a:p>
-          <a:p>
-            <a:r>
-              <a:rPr lang="en-US" sz="2400" dirty="0"/>
-              <a:t>To distinguish between these different services on the </a:t>
-            </a:r>
-            <a:r>
-              <a:rPr lang="en-US" sz="2400" b="1" dirty="0">
-                <a:solidFill>
-                  <a:srgbClr val="002060"/>
-                </a:solidFill>
-              </a:rPr>
-              <a:t>same domain/IP</a:t>
-            </a:r>
-            <a:r>
-              <a:rPr lang="en-US" sz="2400" dirty="0"/>
-              <a:t>, each must listen on a </a:t>
-            </a:r>
-            <a:r>
-              <a:rPr lang="en-US" sz="2400" b="1" dirty="0">
-                <a:solidFill>
-                  <a:srgbClr val="C00000"/>
-                </a:solidFill>
-              </a:rPr>
-              <a:t>unique port number</a:t>
-            </a:r>
-            <a:r>
-              <a:rPr lang="en-US" sz="2400" dirty="0"/>
-              <a:t>.</a:t>
-            </a:r>
-            <a:endParaRPr lang="en-IN" sz="2400" dirty="0"/>
-          </a:p>
-        </p:txBody>
-      </p:sp>
-    </p:spTree>
-    <p:extLst>
-      <p:ext uri="{BB962C8B-B14F-4D97-AF65-F5344CB8AC3E}">
-        <p14:creationId xmlns:p14="http://schemas.microsoft.com/office/powerpoint/2010/main" val="3717541931"/>
-      </p:ext>
-    </p:extLst>
-  </p:cSld>
-  <p:clrMapOvr>
-    <a:masterClrMapping/>
-  </p:clrMapOvr>
-</p:sld>
-</file>
-
 <file path=ppt/slides/slide7.xml><?xml version="1.0" encoding="utf-8"?>
 <p:sld xmlns:a="http://schemas.openxmlformats.org/drawingml/2006/main" xmlns:r="http://schemas.openxmlformats.org/officeDocument/2006/relationships" xmlns:p="http://schemas.openxmlformats.org/presentationml/2006/main">
   <p:cSld>
@@ -33440,6 +33750,272 @@
         <p:cNvPr id="1" name="">
           <a:extLst>
             <a:ext uri="{FF2B5EF4-FFF2-40B4-BE49-F238E27FC236}">
+              <a16:creationId xmlns:a16="http://schemas.microsoft.com/office/drawing/2014/main" id="{C41A460D-ECCD-26D1-1F94-BE84BBA9CB27}"/>
+            </a:ext>
+          </a:extLst>
+        </p:cNvPr>
+        <p:cNvGrpSpPr/>
+        <p:nvPr/>
+      </p:nvGrpSpPr>
+      <p:grpSpPr>
+        <a:xfrm>
+          <a:off x="0" y="0"/>
+          <a:ext cx="0" cy="0"/>
+          <a:chOff x="0" y="0"/>
+          <a:chExt cx="0" cy="0"/>
+        </a:xfrm>
+      </p:grpSpPr>
+      <p:sp>
+        <p:nvSpPr>
+          <p:cNvPr id="3" name="Content Placeholder 2">
+            <a:extLst>
+              <a:ext uri="{FF2B5EF4-FFF2-40B4-BE49-F238E27FC236}">
+                <a16:creationId xmlns:a16="http://schemas.microsoft.com/office/drawing/2014/main" id="{34D734FE-2B30-B1F2-B8D1-D762C61E7804}"/>
+              </a:ext>
+            </a:extLst>
+          </p:cNvPr>
+          <p:cNvSpPr>
+            <a:spLocks noGrp="1"/>
+          </p:cNvSpPr>
+          <p:nvPr>
+            <p:ph idx="1"/>
+          </p:nvPr>
+        </p:nvSpPr>
+        <p:spPr>
+          <a:xfrm>
+            <a:off x="777240" y="696686"/>
+            <a:ext cx="10659110" cy="5480277"/>
+          </a:xfrm>
+        </p:spPr>
+        <p:txBody>
+          <a:bodyPr>
+            <a:normAutofit/>
+          </a:bodyPr>
+          <a:lstStyle/>
+          <a:p>
+            <a:pPr marL="0" indent="0">
+              <a:buNone/>
+            </a:pPr>
+            <a:r>
+              <a:rPr lang="en-US" sz="2800" b="1" dirty="0"/>
+              <a:t>Functioning Of Ports</a:t>
+            </a:r>
+          </a:p>
+          <a:p>
+            <a:pPr marL="0" indent="0">
+              <a:buNone/>
+            </a:pPr>
+            <a:r>
+              <a:rPr lang="en-US" sz="2400" dirty="0"/>
+              <a:t>A </a:t>
+            </a:r>
+            <a:r>
+              <a:rPr lang="en-US" sz="2400" b="1" dirty="0">
+                <a:solidFill>
+                  <a:srgbClr val="C00000"/>
+                </a:solidFill>
+              </a:rPr>
+              <a:t>port</a:t>
+            </a:r>
+            <a:r>
+              <a:rPr lang="en-US" sz="2400" dirty="0"/>
+              <a:t> always functions </a:t>
+            </a:r>
+            <a:r>
+              <a:rPr lang="en-US" sz="2400" b="1" dirty="0"/>
+              <a:t>along with </a:t>
+            </a:r>
+            <a:r>
+              <a:rPr lang="en-US" sz="2400" dirty="0"/>
+              <a:t>an </a:t>
+            </a:r>
+            <a:r>
+              <a:rPr lang="en-US" sz="2400" b="1" dirty="0">
+                <a:solidFill>
+                  <a:srgbClr val="C00000"/>
+                </a:solidFill>
+              </a:rPr>
+              <a:t>IP address</a:t>
+            </a:r>
+            <a:r>
+              <a:rPr lang="en-US" sz="2400" dirty="0"/>
+              <a:t>. An IP address is a </a:t>
+            </a:r>
+            <a:r>
+              <a:rPr lang="en-US" sz="2400" b="1" dirty="0"/>
+              <a:t>numeric address </a:t>
+            </a:r>
+            <a:r>
+              <a:rPr lang="en-US" sz="2400" dirty="0"/>
+              <a:t>that acts as an </a:t>
+            </a:r>
+            <a:r>
+              <a:rPr lang="en-US" sz="2400" b="1" dirty="0">
+                <a:solidFill>
+                  <a:srgbClr val="C00000"/>
+                </a:solidFill>
+              </a:rPr>
+              <a:t>identifier</a:t>
+            </a:r>
+            <a:r>
+              <a:rPr lang="en-US" sz="2400" dirty="0"/>
+              <a:t> for a computer or a device on a network. </a:t>
+            </a:r>
+          </a:p>
+          <a:p>
+            <a:pPr marL="0" indent="0">
+              <a:buNone/>
+            </a:pPr>
+            <a:r>
+              <a:rPr lang="en-US" sz="2400" dirty="0"/>
+              <a:t>For communication purposes, each device needs to have an </a:t>
+            </a:r>
+            <a:r>
+              <a:rPr lang="en-US" sz="2400" b="1" dirty="0"/>
+              <a:t>IP address</a:t>
+            </a:r>
+            <a:r>
+              <a:rPr lang="en-US" sz="2400" dirty="0"/>
+              <a:t>. An IP address and a port number work in sync to </a:t>
+            </a:r>
+            <a:r>
+              <a:rPr lang="en-US" sz="2400" b="1" dirty="0">
+                <a:solidFill>
+                  <a:srgbClr val="002060"/>
+                </a:solidFill>
+              </a:rPr>
+              <a:t>exchange data on a network</a:t>
+            </a:r>
+            <a:r>
+              <a:rPr lang="en-US" sz="2400" dirty="0"/>
+              <a:t>.</a:t>
+            </a:r>
+          </a:p>
+          <a:p>
+            <a:pPr marL="0" indent="0">
+              <a:buNone/>
+            </a:pPr>
+            <a:endParaRPr lang="en-US" sz="800" dirty="0"/>
+          </a:p>
+          <a:p>
+            <a:pPr marL="0" indent="0">
+              <a:buNone/>
+            </a:pPr>
+            <a:r>
+              <a:rPr lang="en-US" sz="2400" b="1" dirty="0"/>
+              <a:t>🔚 Final Conclusion:</a:t>
+            </a:r>
+          </a:p>
+          <a:p>
+            <a:r>
+              <a:rPr lang="en-US" sz="2400" dirty="0"/>
+              <a:t>A </a:t>
+            </a:r>
+            <a:r>
+              <a:rPr lang="en-US" sz="2400" b="1" dirty="0">
+                <a:solidFill>
+                  <a:srgbClr val="C00000"/>
+                </a:solidFill>
+              </a:rPr>
+              <a:t>domain</a:t>
+            </a:r>
+            <a:r>
+              <a:rPr lang="en-US" sz="2400" dirty="0"/>
+              <a:t> (or IP address) like </a:t>
+            </a:r>
+            <a:r>
+              <a:rPr lang="en-US" sz="2400" b="1" dirty="0"/>
+              <a:t>localhost</a:t>
+            </a:r>
+            <a:r>
+              <a:rPr lang="en-US" sz="2400" dirty="0"/>
+              <a:t> or </a:t>
+            </a:r>
+            <a:r>
+              <a:rPr lang="en-US" sz="2400" b="1" dirty="0"/>
+              <a:t>example.com </a:t>
+            </a:r>
+            <a:r>
+              <a:rPr lang="en-US" sz="2400" b="1" dirty="0">
+                <a:solidFill>
+                  <a:srgbClr val="002060"/>
+                </a:solidFill>
+              </a:rPr>
+              <a:t>identifies a machine </a:t>
+            </a:r>
+            <a:r>
+              <a:rPr lang="en-US" sz="2400" dirty="0"/>
+              <a:t>(or server).</a:t>
+            </a:r>
+          </a:p>
+          <a:p>
+            <a:r>
+              <a:rPr lang="en-US" sz="2400" dirty="0"/>
+              <a:t>But a machine can run </a:t>
+            </a:r>
+            <a:r>
+              <a:rPr lang="en-US" sz="2400" b="1" dirty="0"/>
+              <a:t>multiple</a:t>
+            </a:r>
+            <a:r>
+              <a:rPr lang="en-US" sz="2400" dirty="0"/>
+              <a:t> services/servers at the same time.</a:t>
+            </a:r>
+          </a:p>
+          <a:p>
+            <a:r>
+              <a:rPr lang="en-US" sz="2400" dirty="0"/>
+              <a:t>To distinguish between these different services on the </a:t>
+            </a:r>
+            <a:r>
+              <a:rPr lang="en-US" sz="2400" b="1" dirty="0">
+                <a:solidFill>
+                  <a:srgbClr val="002060"/>
+                </a:solidFill>
+              </a:rPr>
+              <a:t>same domain/IP</a:t>
+            </a:r>
+            <a:r>
+              <a:rPr lang="en-US" sz="2400" dirty="0"/>
+              <a:t>, each must listen on a </a:t>
+            </a:r>
+            <a:r>
+              <a:rPr lang="en-US" sz="2400" b="1" dirty="0">
+                <a:solidFill>
+                  <a:srgbClr val="C00000"/>
+                </a:solidFill>
+              </a:rPr>
+              <a:t>unique port number</a:t>
+            </a:r>
+            <a:r>
+              <a:rPr lang="en-US" sz="2400" dirty="0"/>
+              <a:t>.</a:t>
+            </a:r>
+            <a:endParaRPr lang="en-IN" sz="2400" dirty="0"/>
+          </a:p>
+        </p:txBody>
+      </p:sp>
+    </p:spTree>
+    <p:extLst>
+      <p:ext uri="{BB962C8B-B14F-4D97-AF65-F5344CB8AC3E}">
+        <p14:creationId xmlns:p14="http://schemas.microsoft.com/office/powerpoint/2010/main" val="3717541931"/>
+      </p:ext>
+    </p:extLst>
+  </p:cSld>
+  <p:clrMapOvr>
+    <a:masterClrMapping/>
+  </p:clrMapOvr>
+</p:sld>
+</file>
+
+<file path=ppt/slides/slide71.xml><?xml version="1.0" encoding="utf-8"?>
+<p:sld xmlns:a="http://schemas.openxmlformats.org/drawingml/2006/main" xmlns:r="http://schemas.openxmlformats.org/officeDocument/2006/relationships" xmlns:p="http://schemas.openxmlformats.org/presentationml/2006/main">
+  <p:cSld>
+    <p:spTree>
+      <p:nvGrpSpPr>
+        <p:cNvPr id="1" name="">
+          <a:extLst>
+            <a:ext uri="{FF2B5EF4-FFF2-40B4-BE49-F238E27FC236}">
               <a16:creationId xmlns:a16="http://schemas.microsoft.com/office/drawing/2014/main" id="{9A12B55D-CD9F-4092-10BA-09B2B0F57B89}"/>
             </a:ext>
           </a:extLst>
@@ -33716,7 +34292,7 @@
 </p:sld>
 </file>
 
-<file path=ppt/slides/slide71.xml><?xml version="1.0" encoding="utf-8"?>
+<file path=ppt/slides/slide72.xml><?xml version="1.0" encoding="utf-8"?>
 <p:sld xmlns:a="http://schemas.openxmlformats.org/drawingml/2006/main" xmlns:r="http://schemas.openxmlformats.org/officeDocument/2006/relationships" xmlns:p="http://schemas.openxmlformats.org/presentationml/2006/main">
   <p:cSld>
     <p:spTree>
@@ -34068,7 +34644,7 @@
 </p:sld>
 </file>
 
-<file path=ppt/slides/slide72.xml><?xml version="1.0" encoding="utf-8"?>
+<file path=ppt/slides/slide73.xml><?xml version="1.0" encoding="utf-8"?>
 <p:sld xmlns:a="http://schemas.openxmlformats.org/drawingml/2006/main" xmlns:r="http://schemas.openxmlformats.org/officeDocument/2006/relationships" xmlns:p="http://schemas.openxmlformats.org/presentationml/2006/main">
   <p:cSld>
     <p:spTree>
@@ -34282,7 +34858,7 @@
 </p:sld>
 </file>
 
-<file path=ppt/slides/slide73.xml><?xml version="1.0" encoding="utf-8"?>
+<file path=ppt/slides/slide74.xml><?xml version="1.0" encoding="utf-8"?>
 <p:sld xmlns:a="http://schemas.openxmlformats.org/drawingml/2006/main" xmlns:r="http://schemas.openxmlformats.org/officeDocument/2006/relationships" xmlns:p="http://schemas.openxmlformats.org/presentationml/2006/main">
   <p:cSld>
     <p:spTree>
@@ -34423,7 +34999,7 @@
 </p:sld>
 </file>
 
-<file path=ppt/slides/slide74.xml><?xml version="1.0" encoding="utf-8"?>
+<file path=ppt/slides/slide75.xml><?xml version="1.0" encoding="utf-8"?>
 <p:sld xmlns:a="http://schemas.openxmlformats.org/drawingml/2006/main" xmlns:r="http://schemas.openxmlformats.org/officeDocument/2006/relationships" xmlns:p="http://schemas.openxmlformats.org/presentationml/2006/main">
   <p:cSld>
     <p:spTree>
@@ -34588,7 +35164,7 @@
 </p:sld>
 </file>
 
-<file path=ppt/slides/slide75.xml><?xml version="1.0" encoding="utf-8"?>
+<file path=ppt/slides/slide76.xml><?xml version="1.0" encoding="utf-8"?>
 <p:sld xmlns:a="http://schemas.openxmlformats.org/drawingml/2006/main" xmlns:r="http://schemas.openxmlformats.org/officeDocument/2006/relationships" xmlns:p="http://schemas.openxmlformats.org/presentationml/2006/main">
   <p:cSld>
     <p:spTree>
@@ -35414,7 +35990,7 @@
 </p:sld>
 </file>
 
-<file path=ppt/slides/slide76.xml><?xml version="1.0" encoding="utf-8"?>
+<file path=ppt/slides/slide77.xml><?xml version="1.0" encoding="utf-8"?>
 <p:sld xmlns:a="http://schemas.openxmlformats.org/drawingml/2006/main" xmlns:r="http://schemas.openxmlformats.org/officeDocument/2006/relationships" xmlns:p="http://schemas.openxmlformats.org/presentationml/2006/main">
   <p:cSld>
     <p:spTree>
@@ -35592,7 +36168,7 @@
 </p:sld>
 </file>
 
-<file path=ppt/slides/slide77.xml><?xml version="1.0" encoding="utf-8"?>
+<file path=ppt/slides/slide78.xml><?xml version="1.0" encoding="utf-8"?>
 <p:sld xmlns:a="http://schemas.openxmlformats.org/drawingml/2006/main" xmlns:r="http://schemas.openxmlformats.org/officeDocument/2006/relationships" xmlns:p="http://schemas.openxmlformats.org/presentationml/2006/main">
   <p:cSld>
     <p:spTree>
@@ -35733,7 +36309,7 @@
 </p:sld>
 </file>
 
-<file path=ppt/slides/slide78.xml><?xml version="1.0" encoding="utf-8"?>
+<file path=ppt/slides/slide79.xml><?xml version="1.0" encoding="utf-8"?>
 <p:sld xmlns:a="http://schemas.openxmlformats.org/drawingml/2006/main" xmlns:r="http://schemas.openxmlformats.org/officeDocument/2006/relationships" xmlns:p="http://schemas.openxmlformats.org/presentationml/2006/main">
   <p:cSld>
     <p:spTree>
@@ -35937,7 +36513,200 @@
 </p:sld>
 </file>
 
-<file path=ppt/slides/slide79.xml><?xml version="1.0" encoding="utf-8"?>
+<file path=ppt/slides/slide8.xml><?xml version="1.0" encoding="utf-8"?>
+<p:sld xmlns:a="http://schemas.openxmlformats.org/drawingml/2006/main" xmlns:r="http://schemas.openxmlformats.org/officeDocument/2006/relationships" xmlns:p="http://schemas.openxmlformats.org/presentationml/2006/main">
+  <p:cSld>
+    <p:spTree>
+      <p:nvGrpSpPr>
+        <p:cNvPr id="1" name="">
+          <a:extLst>
+            <a:ext uri="{FF2B5EF4-FFF2-40B4-BE49-F238E27FC236}">
+              <a16:creationId xmlns:a16="http://schemas.microsoft.com/office/drawing/2014/main" id="{409F21C9-F45B-539A-D229-24027C524C3B}"/>
+            </a:ext>
+          </a:extLst>
+        </p:cNvPr>
+        <p:cNvGrpSpPr/>
+        <p:nvPr/>
+      </p:nvGrpSpPr>
+      <p:grpSpPr>
+        <a:xfrm>
+          <a:off x="0" y="0"/>
+          <a:ext cx="0" cy="0"/>
+          <a:chOff x="0" y="0"/>
+          <a:chExt cx="0" cy="0"/>
+        </a:xfrm>
+      </p:grpSpPr>
+      <p:sp>
+        <p:nvSpPr>
+          <p:cNvPr id="3" name="Content Placeholder 2">
+            <a:extLst>
+              <a:ext uri="{FF2B5EF4-FFF2-40B4-BE49-F238E27FC236}">
+                <a16:creationId xmlns:a16="http://schemas.microsoft.com/office/drawing/2014/main" id="{09EA6C2D-6331-F91B-95C9-7B5FF4A13610}"/>
+              </a:ext>
+            </a:extLst>
+          </p:cNvPr>
+          <p:cNvSpPr>
+            <a:spLocks noGrp="1"/>
+          </p:cNvSpPr>
+          <p:nvPr>
+            <p:ph idx="1"/>
+          </p:nvPr>
+        </p:nvSpPr>
+        <p:spPr>
+          <a:xfrm>
+            <a:off x="777240" y="740229"/>
+            <a:ext cx="10659110" cy="5436734"/>
+          </a:xfrm>
+        </p:spPr>
+        <p:txBody>
+          <a:bodyPr>
+            <a:noAutofit/>
+          </a:bodyPr>
+          <a:lstStyle/>
+          <a:p>
+            <a:pPr marL="0" indent="0">
+              <a:buNone/>
+            </a:pPr>
+            <a:r>
+              <a:rPr lang="en-US" sz="2800" b="1" dirty="0"/>
+              <a:t>Example for API (with Security and Access Control):</a:t>
+            </a:r>
+          </a:p>
+          <a:p>
+            <a:pPr marL="0" indent="0">
+              <a:buNone/>
+            </a:pPr>
+            <a:r>
+              <a:rPr lang="en-US" sz="2400" dirty="0"/>
+              <a:t>Let’s say our college has a</a:t>
+            </a:r>
+            <a:r>
+              <a:rPr lang="en-US" sz="2400" b="1" dirty="0"/>
+              <a:t> central </a:t>
+            </a:r>
+            <a:r>
+              <a:rPr lang="en-US" sz="2400" b="1" dirty="0">
+                <a:solidFill>
+                  <a:srgbClr val="C00000"/>
+                </a:solidFill>
+              </a:rPr>
+              <a:t>Database</a:t>
+            </a:r>
+            <a:r>
+              <a:rPr lang="en-US" sz="2400" b="1" dirty="0"/>
+              <a:t> </a:t>
+            </a:r>
+            <a:r>
+              <a:rPr lang="en-US" sz="2400" dirty="0"/>
+              <a:t>that stores all important information such as:</a:t>
+            </a:r>
+          </a:p>
+          <a:p>
+            <a:r>
+              <a:rPr lang="en-US" sz="2400" dirty="0"/>
+              <a:t>Student records (marks, attendance, personal details)</a:t>
+            </a:r>
+          </a:p>
+          <a:p>
+            <a:r>
+              <a:rPr lang="en-US" sz="2400" dirty="0"/>
+              <a:t>Professor details (pay slips, schedules)</a:t>
+            </a:r>
+          </a:p>
+          <a:p>
+            <a:r>
+              <a:rPr lang="en-US" sz="2400" dirty="0"/>
+              <a:t>Examination data</a:t>
+            </a:r>
+          </a:p>
+          <a:p>
+            <a:r>
+              <a:rPr lang="en-US" sz="2400" dirty="0"/>
+              <a:t>Administrative data (college finance, notices, etc.)</a:t>
+            </a:r>
+          </a:p>
+          <a:p>
+            <a:pPr marL="0" indent="0">
+              <a:buNone/>
+            </a:pPr>
+            <a:endParaRPr lang="en-US" sz="2400" dirty="0"/>
+          </a:p>
+          <a:p>
+            <a:pPr marL="0" indent="0">
+              <a:buNone/>
+            </a:pPr>
+            <a:r>
+              <a:rPr lang="en-US" sz="2400" b="1" dirty="0"/>
+              <a:t>⚠️ Problem:</a:t>
+            </a:r>
+          </a:p>
+          <a:p>
+            <a:pPr marL="0" indent="0">
+              <a:buNone/>
+            </a:pPr>
+            <a:r>
+              <a:rPr lang="en-US" sz="2400" dirty="0"/>
+              <a:t>If we give direct access to this database, anyone could see or change </a:t>
+            </a:r>
+            <a:r>
+              <a:rPr lang="en-US" sz="2400" b="1" dirty="0">
+                <a:solidFill>
+                  <a:srgbClr val="C00000"/>
+                </a:solidFill>
+              </a:rPr>
+              <a:t>sensitive data</a:t>
+            </a:r>
+            <a:r>
+              <a:rPr lang="en-US" sz="2400" dirty="0"/>
+              <a:t>, leading to </a:t>
+            </a:r>
+            <a:r>
+              <a:rPr lang="en-US" sz="2400" b="1" dirty="0">
+                <a:solidFill>
+                  <a:srgbClr val="C00000"/>
+                </a:solidFill>
+              </a:rPr>
+              <a:t>security breaches </a:t>
+            </a:r>
+            <a:r>
+              <a:rPr lang="en-US" sz="2400" dirty="0"/>
+              <a:t>and </a:t>
+            </a:r>
+            <a:r>
+              <a:rPr lang="en-US" sz="2400" b="1" dirty="0">
+                <a:solidFill>
+                  <a:srgbClr val="C00000"/>
+                </a:solidFill>
+              </a:rPr>
+              <a:t>data misuse</a:t>
+            </a:r>
+            <a:r>
+              <a:rPr lang="en-US" sz="2400" dirty="0"/>
+              <a:t>.</a:t>
+            </a:r>
+          </a:p>
+          <a:p>
+            <a:pPr marL="0" indent="0">
+              <a:buNone/>
+            </a:pPr>
+            <a:endParaRPr lang="en-US" sz="2400" dirty="0"/>
+          </a:p>
+        </p:txBody>
+      </p:sp>
+    </p:spTree>
+    <p:extLst>
+      <p:ext uri="{BB962C8B-B14F-4D97-AF65-F5344CB8AC3E}">
+        <p14:creationId xmlns:p14="http://schemas.microsoft.com/office/powerpoint/2010/main" val="2805087750"/>
+      </p:ext>
+    </p:extLst>
+  </p:cSld>
+  <p:clrMapOvr>
+    <a:masterClrMapping/>
+  </p:clrMapOvr>
+</p:sld>
+</file>
+
+<file path=ppt/slides/slide80.xml><?xml version="1.0" encoding="utf-8"?>
 <p:sld xmlns:a="http://schemas.openxmlformats.org/drawingml/2006/main" xmlns:r="http://schemas.openxmlformats.org/officeDocument/2006/relationships" xmlns:p="http://schemas.openxmlformats.org/presentationml/2006/main">
   <p:cSld>
     <p:spTree>
@@ -36201,200 +36970,7 @@
 </p:sld>
 </file>
 
-<file path=ppt/slides/slide8.xml><?xml version="1.0" encoding="utf-8"?>
-<p:sld xmlns:a="http://schemas.openxmlformats.org/drawingml/2006/main" xmlns:r="http://schemas.openxmlformats.org/officeDocument/2006/relationships" xmlns:p="http://schemas.openxmlformats.org/presentationml/2006/main">
-  <p:cSld>
-    <p:spTree>
-      <p:nvGrpSpPr>
-        <p:cNvPr id="1" name="">
-          <a:extLst>
-            <a:ext uri="{FF2B5EF4-FFF2-40B4-BE49-F238E27FC236}">
-              <a16:creationId xmlns:a16="http://schemas.microsoft.com/office/drawing/2014/main" id="{409F21C9-F45B-539A-D229-24027C524C3B}"/>
-            </a:ext>
-          </a:extLst>
-        </p:cNvPr>
-        <p:cNvGrpSpPr/>
-        <p:nvPr/>
-      </p:nvGrpSpPr>
-      <p:grpSpPr>
-        <a:xfrm>
-          <a:off x="0" y="0"/>
-          <a:ext cx="0" cy="0"/>
-          <a:chOff x="0" y="0"/>
-          <a:chExt cx="0" cy="0"/>
-        </a:xfrm>
-      </p:grpSpPr>
-      <p:sp>
-        <p:nvSpPr>
-          <p:cNvPr id="3" name="Content Placeholder 2">
-            <a:extLst>
-              <a:ext uri="{FF2B5EF4-FFF2-40B4-BE49-F238E27FC236}">
-                <a16:creationId xmlns:a16="http://schemas.microsoft.com/office/drawing/2014/main" id="{09EA6C2D-6331-F91B-95C9-7B5FF4A13610}"/>
-              </a:ext>
-            </a:extLst>
-          </p:cNvPr>
-          <p:cNvSpPr>
-            <a:spLocks noGrp="1"/>
-          </p:cNvSpPr>
-          <p:nvPr>
-            <p:ph idx="1"/>
-          </p:nvPr>
-        </p:nvSpPr>
-        <p:spPr>
-          <a:xfrm>
-            <a:off x="777240" y="740229"/>
-            <a:ext cx="10659110" cy="5436734"/>
-          </a:xfrm>
-        </p:spPr>
-        <p:txBody>
-          <a:bodyPr>
-            <a:noAutofit/>
-          </a:bodyPr>
-          <a:lstStyle/>
-          <a:p>
-            <a:pPr marL="0" indent="0">
-              <a:buNone/>
-            </a:pPr>
-            <a:r>
-              <a:rPr lang="en-US" sz="2800" b="1" dirty="0"/>
-              <a:t>Example for API (with Security and Access Control):</a:t>
-            </a:r>
-          </a:p>
-          <a:p>
-            <a:pPr marL="0" indent="0">
-              <a:buNone/>
-            </a:pPr>
-            <a:r>
-              <a:rPr lang="en-US" sz="2400" dirty="0"/>
-              <a:t>Let’s say our college has a</a:t>
-            </a:r>
-            <a:r>
-              <a:rPr lang="en-US" sz="2400" b="1" dirty="0"/>
-              <a:t> central </a:t>
-            </a:r>
-            <a:r>
-              <a:rPr lang="en-US" sz="2400" b="1" dirty="0">
-                <a:solidFill>
-                  <a:srgbClr val="C00000"/>
-                </a:solidFill>
-              </a:rPr>
-              <a:t>Database</a:t>
-            </a:r>
-            <a:r>
-              <a:rPr lang="en-US" sz="2400" b="1" dirty="0"/>
-              <a:t> </a:t>
-            </a:r>
-            <a:r>
-              <a:rPr lang="en-US" sz="2400" dirty="0"/>
-              <a:t>that stores all important information such as:</a:t>
-            </a:r>
-          </a:p>
-          <a:p>
-            <a:r>
-              <a:rPr lang="en-US" sz="2400" dirty="0"/>
-              <a:t>Student records (marks, attendance, personal details)</a:t>
-            </a:r>
-          </a:p>
-          <a:p>
-            <a:r>
-              <a:rPr lang="en-US" sz="2400" dirty="0"/>
-              <a:t>Professor details (pay slips, schedules)</a:t>
-            </a:r>
-          </a:p>
-          <a:p>
-            <a:r>
-              <a:rPr lang="en-US" sz="2400" dirty="0"/>
-              <a:t>Examination data</a:t>
-            </a:r>
-          </a:p>
-          <a:p>
-            <a:r>
-              <a:rPr lang="en-US" sz="2400" dirty="0"/>
-              <a:t>Administrative data (college finance, notices, etc.)</a:t>
-            </a:r>
-          </a:p>
-          <a:p>
-            <a:pPr marL="0" indent="0">
-              <a:buNone/>
-            </a:pPr>
-            <a:endParaRPr lang="en-US" sz="2400" dirty="0"/>
-          </a:p>
-          <a:p>
-            <a:pPr marL="0" indent="0">
-              <a:buNone/>
-            </a:pPr>
-            <a:r>
-              <a:rPr lang="en-US" sz="2400" b="1" dirty="0"/>
-              <a:t>⚠️ Problem:</a:t>
-            </a:r>
-          </a:p>
-          <a:p>
-            <a:pPr marL="0" indent="0">
-              <a:buNone/>
-            </a:pPr>
-            <a:r>
-              <a:rPr lang="en-US" sz="2400" dirty="0"/>
-              <a:t>If we give direct access to this database, anyone could see or change </a:t>
-            </a:r>
-            <a:r>
-              <a:rPr lang="en-US" sz="2400" b="1" dirty="0">
-                <a:solidFill>
-                  <a:srgbClr val="C00000"/>
-                </a:solidFill>
-              </a:rPr>
-              <a:t>sensitive data</a:t>
-            </a:r>
-            <a:r>
-              <a:rPr lang="en-US" sz="2400" dirty="0"/>
-              <a:t>, leading to </a:t>
-            </a:r>
-            <a:r>
-              <a:rPr lang="en-US" sz="2400" b="1" dirty="0">
-                <a:solidFill>
-                  <a:srgbClr val="C00000"/>
-                </a:solidFill>
-              </a:rPr>
-              <a:t>security breaches </a:t>
-            </a:r>
-            <a:r>
-              <a:rPr lang="en-US" sz="2400" dirty="0"/>
-              <a:t>and </a:t>
-            </a:r>
-            <a:r>
-              <a:rPr lang="en-US" sz="2400" b="1" dirty="0">
-                <a:solidFill>
-                  <a:srgbClr val="C00000"/>
-                </a:solidFill>
-              </a:rPr>
-              <a:t>data misuse</a:t>
-            </a:r>
-            <a:r>
-              <a:rPr lang="en-US" sz="2400" dirty="0"/>
-              <a:t>.</a:t>
-            </a:r>
-          </a:p>
-          <a:p>
-            <a:pPr marL="0" indent="0">
-              <a:buNone/>
-            </a:pPr>
-            <a:endParaRPr lang="en-US" sz="2400" dirty="0"/>
-          </a:p>
-        </p:txBody>
-      </p:sp>
-    </p:spTree>
-    <p:extLst>
-      <p:ext uri="{BB962C8B-B14F-4D97-AF65-F5344CB8AC3E}">
-        <p14:creationId xmlns:p14="http://schemas.microsoft.com/office/powerpoint/2010/main" val="2805087750"/>
-      </p:ext>
-    </p:extLst>
-  </p:cSld>
-  <p:clrMapOvr>
-    <a:masterClrMapping/>
-  </p:clrMapOvr>
-</p:sld>
-</file>
-
-<file path=ppt/slides/slide80.xml><?xml version="1.0" encoding="utf-8"?>
+<file path=ppt/slides/slide81.xml><?xml version="1.0" encoding="utf-8"?>
 <p:sld xmlns:a="http://schemas.openxmlformats.org/drawingml/2006/main" xmlns:r="http://schemas.openxmlformats.org/officeDocument/2006/relationships" xmlns:p="http://schemas.openxmlformats.org/presentationml/2006/main">
   <p:cSld>
     <p:spTree>
@@ -36602,7 +37178,7 @@
 </p:sld>
 </file>
 
-<file path=ppt/slides/slide81.xml><?xml version="1.0" encoding="utf-8"?>
+<file path=ppt/slides/slide82.xml><?xml version="1.0" encoding="utf-8"?>
 <p:sld xmlns:a="http://schemas.openxmlformats.org/drawingml/2006/main" xmlns:r="http://schemas.openxmlformats.org/officeDocument/2006/relationships" xmlns:p="http://schemas.openxmlformats.org/presentationml/2006/main">
   <p:cSld>
     <p:spTree>
@@ -36854,7 +37430,7 @@
 </p:sld>
 </file>
 
-<file path=ppt/slides/slide82.xml><?xml version="1.0" encoding="utf-8"?>
+<file path=ppt/slides/slide83.xml><?xml version="1.0" encoding="utf-8"?>
 <p:sld xmlns:a="http://schemas.openxmlformats.org/drawingml/2006/main" xmlns:r="http://schemas.openxmlformats.org/officeDocument/2006/relationships" xmlns:p="http://schemas.openxmlformats.org/presentationml/2006/main">
   <p:cSld>
     <p:spTree>
@@ -37017,7 +37593,7 @@
 </p:sld>
 </file>
 
-<file path=ppt/slides/slide83.xml><?xml version="1.0" encoding="utf-8"?>
+<file path=ppt/slides/slide84.xml><?xml version="1.0" encoding="utf-8"?>
 <p:sld xmlns:a="http://schemas.openxmlformats.org/drawingml/2006/main" xmlns:r="http://schemas.openxmlformats.org/officeDocument/2006/relationships" xmlns:p="http://schemas.openxmlformats.org/presentationml/2006/main">
   <p:cSld>
     <p:spTree>
@@ -37130,7 +37706,7 @@
 </p:sld>
 </file>
 
-<file path=ppt/slides/slide84.xml><?xml version="1.0" encoding="utf-8"?>
+<file path=ppt/slides/slide85.xml><?xml version="1.0" encoding="utf-8"?>
 <p:sld xmlns:a="http://schemas.openxmlformats.org/drawingml/2006/main" xmlns:r="http://schemas.openxmlformats.org/officeDocument/2006/relationships" xmlns:p="http://schemas.openxmlformats.org/presentationml/2006/main">
   <p:cSld>
     <p:spTree>
@@ -37256,7 +37832,7 @@
 </p:sld>
 </file>
 
-<file path=ppt/slides/slide85.xml><?xml version="1.0" encoding="utf-8"?>
+<file path=ppt/slides/slide86.xml><?xml version="1.0" encoding="utf-8"?>
 <p:sld xmlns:a="http://schemas.openxmlformats.org/drawingml/2006/main" xmlns:r="http://schemas.openxmlformats.org/officeDocument/2006/relationships" xmlns:p="http://schemas.openxmlformats.org/presentationml/2006/main">
   <p:cSld>
     <p:spTree>
@@ -38005,7 +38581,7 @@
 </p:sld>
 </file>
 
-<file path=ppt/slides/slide86.xml><?xml version="1.0" encoding="utf-8"?>
+<file path=ppt/slides/slide87.xml><?xml version="1.0" encoding="utf-8"?>
 <p:sld xmlns:a="http://schemas.openxmlformats.org/drawingml/2006/main" xmlns:r="http://schemas.openxmlformats.org/officeDocument/2006/relationships" xmlns:p="http://schemas.openxmlformats.org/presentationml/2006/main">
   <p:cSld>
     <p:spTree>
@@ -38235,7 +38811,19 @@
             </a:r>
             <a:r>
               <a:rPr lang="en-US" sz="2400" dirty="0"/>
-              <a:t> all languages and scripts. It assigns a unique code (known as a code point) to every </a:t>
+              <a:t> all languages and scripts. It assigns a unique code (known as a </a:t>
+            </a:r>
+            <a:r>
+              <a:rPr lang="en-US" sz="2400" b="1" dirty="0">
+                <a:solidFill>
+                  <a:srgbClr val="C00000"/>
+                </a:solidFill>
+              </a:rPr>
+              <a:t>code point</a:t>
+            </a:r>
+            <a:r>
+              <a:rPr lang="en-US" sz="2400" dirty="0"/>
+              <a:t>) to every </a:t>
             </a:r>
             <a:r>
               <a:rPr lang="en-US" sz="2400" b="1" dirty="0"/>
@@ -38301,20 +38889,40 @@
               <a:t>(characters) as </a:t>
             </a:r>
             <a:r>
-              <a:rPr lang="en-US" sz="2400" b="1" dirty="0"/>
+              <a:rPr lang="en-US" sz="2400" b="1" dirty="0">
+                <a:solidFill>
+                  <a:srgbClr val="0070C0"/>
+                </a:solidFill>
+              </a:rPr>
               <a:t>binary</a:t>
             </a:r>
             <a:r>
-              <a:rPr lang="en-US" sz="2400" dirty="0"/>
+              <a:rPr lang="en-US" sz="2400" dirty="0">
+                <a:solidFill>
+                  <a:srgbClr val="0070C0"/>
+                </a:solidFill>
+              </a:rPr>
               <a:t> </a:t>
             </a:r>
             <a:r>
-              <a:rPr lang="en-US" sz="2400" b="1" dirty="0"/>
+              <a:rPr lang="en-US" sz="2400" b="1" dirty="0">
+                <a:solidFill>
+                  <a:srgbClr val="0070C0"/>
+                </a:solidFill>
+              </a:rPr>
               <a:t>data</a:t>
             </a:r>
             <a:r>
-              <a:rPr lang="en-US" sz="2400" dirty="0"/>
-              <a:t> that computers can process. Every character is assigned a </a:t>
+              <a:rPr lang="en-US" sz="2400" dirty="0">
+                <a:solidFill>
+                  <a:srgbClr val="0070C0"/>
+                </a:solidFill>
+              </a:rPr>
+              <a:t> </a:t>
+            </a:r>
+            <a:r>
+              <a:rPr lang="en-US" sz="2400" dirty="0"/>
+              <a:t>that computers can process. Every character is assigned a </a:t>
             </a:r>
             <a:r>
               <a:rPr lang="en-US" sz="2400" b="1" dirty="0">
@@ -38334,7 +38942,31 @@
             </a:r>
             <a:r>
               <a:rPr lang="en-US" sz="2400" dirty="0"/>
-              <a:t>. This enables computers to store, transmit, and render text from different languages and scripts.</a:t>
+              <a:t>. This enables computers to </a:t>
+            </a:r>
+            <a:r>
+              <a:rPr lang="en-US" sz="2400" b="1" dirty="0"/>
+              <a:t>store</a:t>
+            </a:r>
+            <a:r>
+              <a:rPr lang="en-US" sz="2400" dirty="0"/>
+              <a:t>, </a:t>
+            </a:r>
+            <a:r>
+              <a:rPr lang="en-US" sz="2400" b="1" dirty="0"/>
+              <a:t>transmit</a:t>
+            </a:r>
+            <a:r>
+              <a:rPr lang="en-US" sz="2400" dirty="0"/>
+              <a:t>, and </a:t>
+            </a:r>
+            <a:r>
+              <a:rPr lang="en-US" sz="2400" b="1" dirty="0"/>
+              <a:t>render</a:t>
+            </a:r>
+            <a:r>
+              <a:rPr lang="en-US" sz="2400" dirty="0"/>
+              <a:t> text from different languages and scripts.</a:t>
             </a:r>
             <a:endParaRPr lang="en-IN" sz="2400" dirty="0"/>
           </a:p>
@@ -38353,7 +38985,7 @@
 </p:sld>
 </file>
 
-<file path=ppt/slides/slide87.xml><?xml version="1.0" encoding="utf-8"?>
+<file path=ppt/slides/slide88.xml><?xml version="1.0" encoding="utf-8"?>
 <p:sld xmlns:a="http://schemas.openxmlformats.org/drawingml/2006/main" xmlns:r="http://schemas.openxmlformats.org/officeDocument/2006/relationships" xmlns:p="http://schemas.openxmlformats.org/presentationml/2006/main">
   <p:cSld>
     <p:spTree>
@@ -38543,7 +39175,7 @@
 </p:sld>
 </file>
 
-<file path=ppt/slides/slide88.xml><?xml version="1.0" encoding="utf-8"?>
+<file path=ppt/slides/slide89.xml><?xml version="1.0" encoding="utf-8"?>
 <p:sld xmlns:a="http://schemas.openxmlformats.org/drawingml/2006/main" xmlns:r="http://schemas.openxmlformats.org/officeDocument/2006/relationships" xmlns:p="http://schemas.openxmlformats.org/presentationml/2006/main">
   <p:cSld>
     <p:spTree>
@@ -38858,339 +39490,6 @@
     <p:extLst>
       <p:ext uri="{BB962C8B-B14F-4D97-AF65-F5344CB8AC3E}">
         <p14:creationId xmlns:p14="http://schemas.microsoft.com/office/powerpoint/2010/main" val="146059141"/>
-      </p:ext>
-    </p:extLst>
-  </p:cSld>
-  <p:clrMapOvr>
-    <a:masterClrMapping/>
-  </p:clrMapOvr>
-</p:sld>
-</file>
-
-<file path=ppt/slides/slide89.xml><?xml version="1.0" encoding="utf-8"?>
-<p:sld xmlns:a="http://schemas.openxmlformats.org/drawingml/2006/main" xmlns:r="http://schemas.openxmlformats.org/officeDocument/2006/relationships" xmlns:p="http://schemas.openxmlformats.org/presentationml/2006/main">
-  <p:cSld>
-    <p:spTree>
-      <p:nvGrpSpPr>
-        <p:cNvPr id="1" name="">
-          <a:extLst>
-            <a:ext uri="{FF2B5EF4-FFF2-40B4-BE49-F238E27FC236}">
-              <a16:creationId xmlns:a16="http://schemas.microsoft.com/office/drawing/2014/main" id="{E1119AD9-510A-3B65-867E-2C500F3C723D}"/>
-            </a:ext>
-          </a:extLst>
-        </p:cNvPr>
-        <p:cNvGrpSpPr/>
-        <p:nvPr/>
-      </p:nvGrpSpPr>
-      <p:grpSpPr>
-        <a:xfrm>
-          <a:off x="0" y="0"/>
-          <a:ext cx="0" cy="0"/>
-          <a:chOff x="0" y="0"/>
-          <a:chExt cx="0" cy="0"/>
-        </a:xfrm>
-      </p:grpSpPr>
-      <p:sp>
-        <p:nvSpPr>
-          <p:cNvPr id="3" name="Content Placeholder 2">
-            <a:extLst>
-              <a:ext uri="{FF2B5EF4-FFF2-40B4-BE49-F238E27FC236}">
-                <a16:creationId xmlns:a16="http://schemas.microsoft.com/office/drawing/2014/main" id="{95A19981-0148-BB2D-5E23-341B7B3C3C2C}"/>
-              </a:ext>
-            </a:extLst>
-          </p:cNvPr>
-          <p:cNvSpPr>
-            <a:spLocks noGrp="1"/>
-          </p:cNvSpPr>
-          <p:nvPr>
-            <p:ph idx="1"/>
-          </p:nvPr>
-        </p:nvSpPr>
-        <p:spPr>
-          <a:xfrm>
-            <a:off x="777240" y="729343"/>
-            <a:ext cx="10659110" cy="5447620"/>
-          </a:xfrm>
-        </p:spPr>
-        <p:txBody>
-          <a:bodyPr>
-            <a:normAutofit/>
-          </a:bodyPr>
-          <a:lstStyle/>
-          <a:p>
-            <a:pPr marL="0" indent="0">
-              <a:buNone/>
-            </a:pPr>
-            <a:r>
-              <a:rPr lang="en-US" sz="2400" b="1" dirty="0">
-                <a:solidFill>
-                  <a:srgbClr val="002060"/>
-                </a:solidFill>
-              </a:rPr>
-              <a:t>Why UTF-8 when we have ASCII:</a:t>
-            </a:r>
-          </a:p>
-          <a:p>
-            <a:pPr marL="0" indent="0">
-              <a:buNone/>
-            </a:pPr>
-            <a:r>
-              <a:rPr lang="en-US" sz="2400" b="1" dirty="0"/>
-              <a:t>1. Limited Character Set in ASCII</a:t>
-            </a:r>
-          </a:p>
-          <a:p>
-            <a:pPr marL="0" indent="0">
-              <a:buNone/>
-            </a:pPr>
-            <a:r>
-              <a:rPr lang="en-US" sz="2400" b="1" dirty="0"/>
-              <a:t>ASCII</a:t>
-            </a:r>
-            <a:r>
-              <a:rPr lang="en-US" sz="2400" dirty="0"/>
-              <a:t>:</a:t>
-            </a:r>
-          </a:p>
-          <a:p>
-            <a:pPr lvl="1"/>
-            <a:r>
-              <a:rPr lang="en-US" sz="2400" dirty="0"/>
-              <a:t>Supports only </a:t>
-            </a:r>
-            <a:r>
-              <a:rPr lang="en-US" sz="2400" b="1" dirty="0">
-                <a:solidFill>
-                  <a:srgbClr val="C00000"/>
-                </a:solidFill>
-              </a:rPr>
-              <a:t>128</a:t>
-            </a:r>
-            <a:r>
-              <a:rPr lang="en-US" sz="2400" dirty="0"/>
-              <a:t> </a:t>
-            </a:r>
-            <a:r>
-              <a:rPr lang="en-US" sz="2400" b="1" dirty="0"/>
-              <a:t>characters</a:t>
-            </a:r>
-            <a:r>
-              <a:rPr lang="en-US" sz="2400" dirty="0"/>
-              <a:t> (7-bit encoding).</a:t>
-            </a:r>
-          </a:p>
-          <a:p>
-            <a:pPr lvl="1"/>
-            <a:r>
-              <a:rPr lang="en-US" sz="2400" dirty="0"/>
-              <a:t>Designed primarily for </a:t>
-            </a:r>
-            <a:r>
-              <a:rPr lang="en-US" sz="2400" b="1" dirty="0"/>
-              <a:t>English alphabets</a:t>
-            </a:r>
-            <a:r>
-              <a:rPr lang="en-US" sz="2400" dirty="0"/>
-              <a:t>, </a:t>
-            </a:r>
-            <a:r>
-              <a:rPr lang="en-US" sz="2400" b="1" dirty="0"/>
-              <a:t>numbers</a:t>
-            </a:r>
-            <a:r>
-              <a:rPr lang="en-US" sz="2400" dirty="0"/>
-              <a:t>, and </a:t>
-            </a:r>
-            <a:r>
-              <a:rPr lang="en-US" sz="2400" b="1" dirty="0"/>
-              <a:t>some</a:t>
-            </a:r>
-            <a:r>
-              <a:rPr lang="en-US" sz="2400" dirty="0"/>
-              <a:t> </a:t>
-            </a:r>
-            <a:r>
-              <a:rPr lang="en-US" sz="2400" b="1" dirty="0"/>
-              <a:t>control</a:t>
-            </a:r>
-            <a:r>
-              <a:rPr lang="en-US" sz="2400" dirty="0"/>
-              <a:t> </a:t>
-            </a:r>
-            <a:r>
-              <a:rPr lang="en-US" sz="2400" b="1" dirty="0"/>
-              <a:t>characters</a:t>
-            </a:r>
-            <a:r>
-              <a:rPr lang="en-US" sz="2400" dirty="0"/>
-              <a:t>.</a:t>
-            </a:r>
-          </a:p>
-          <a:p>
-            <a:pPr lvl="1"/>
-            <a:r>
-              <a:rPr lang="en-US" sz="2400" dirty="0"/>
-              <a:t>Cannot represent characters from other languages like </a:t>
-            </a:r>
-            <a:r>
-              <a:rPr lang="en-US" sz="2400" b="1" dirty="0"/>
-              <a:t>Chinese</a:t>
-            </a:r>
-            <a:r>
-              <a:rPr lang="en-US" sz="2400" dirty="0"/>
-              <a:t>, </a:t>
-            </a:r>
-            <a:r>
-              <a:rPr lang="en-US" sz="2400" b="1" dirty="0"/>
-              <a:t>Arabic</a:t>
-            </a:r>
-            <a:r>
-              <a:rPr lang="en-US" sz="2400" dirty="0"/>
-              <a:t>, </a:t>
-            </a:r>
-            <a:r>
-              <a:rPr lang="en-US" sz="2400" b="1" dirty="0"/>
-              <a:t>Hindi</a:t>
-            </a:r>
-            <a:r>
-              <a:rPr lang="en-US" sz="2400" dirty="0"/>
-              <a:t>, or even additional </a:t>
-            </a:r>
-            <a:r>
-              <a:rPr lang="en-US" sz="2400" b="1" dirty="0"/>
-              <a:t>symbols</a:t>
-            </a:r>
-            <a:r>
-              <a:rPr lang="en-US" sz="2400" dirty="0"/>
-              <a:t> and </a:t>
-            </a:r>
-            <a:r>
-              <a:rPr lang="en-US" sz="2400" b="1" dirty="0"/>
-              <a:t>emojis</a:t>
-            </a:r>
-            <a:r>
-              <a:rPr lang="en-US" sz="2400" dirty="0"/>
-              <a:t>.</a:t>
-            </a:r>
-          </a:p>
-          <a:p>
-            <a:pPr marL="0" indent="0">
-              <a:buNone/>
-            </a:pPr>
-            <a:r>
-              <a:rPr lang="en-US" sz="2400" b="1" dirty="0"/>
-              <a:t>UTF-8</a:t>
-            </a:r>
-            <a:r>
-              <a:rPr lang="en-US" sz="2400" dirty="0"/>
-              <a:t>:</a:t>
-            </a:r>
-          </a:p>
-          <a:p>
-            <a:pPr lvl="1"/>
-            <a:r>
-              <a:rPr lang="en-US" sz="2400" dirty="0"/>
-              <a:t>Supports over </a:t>
-            </a:r>
-            <a:r>
-              <a:rPr lang="en-US" sz="2400" b="1" dirty="0">
-                <a:solidFill>
-                  <a:srgbClr val="C00000"/>
-                </a:solidFill>
-              </a:rPr>
-              <a:t>1.1 million </a:t>
-            </a:r>
-            <a:r>
-              <a:rPr lang="en-US" sz="2400" b="1" dirty="0"/>
-              <a:t>characters</a:t>
-            </a:r>
-            <a:r>
-              <a:rPr lang="en-US" sz="2400" dirty="0"/>
-              <a:t> (as part of the Unicode standard).</a:t>
-            </a:r>
-          </a:p>
-          <a:p>
-            <a:pPr lvl="1"/>
-            <a:r>
-              <a:rPr lang="en-US" sz="2400" dirty="0"/>
-              <a:t>Can encode text from virtually </a:t>
-            </a:r>
-            <a:r>
-              <a:rPr lang="en-US" sz="2400" b="1" dirty="0"/>
-              <a:t>any</a:t>
-            </a:r>
-            <a:r>
-              <a:rPr lang="en-US" sz="2400" dirty="0"/>
-              <a:t> </a:t>
-            </a:r>
-            <a:r>
-              <a:rPr lang="en-US" sz="2400" b="1" dirty="0"/>
-              <a:t>language</a:t>
-            </a:r>
-            <a:r>
-              <a:rPr lang="en-US" sz="2400" dirty="0"/>
-              <a:t> or </a:t>
-            </a:r>
-            <a:r>
-              <a:rPr lang="en-US" sz="2400" b="1" dirty="0"/>
-              <a:t>script</a:t>
-            </a:r>
-            <a:r>
-              <a:rPr lang="en-US" sz="2400" dirty="0"/>
-              <a:t>.</a:t>
-            </a:r>
-          </a:p>
-          <a:p>
-            <a:pPr lvl="1"/>
-            <a:r>
-              <a:rPr lang="en-US" sz="2400" dirty="0"/>
-              <a:t>Includes </a:t>
-            </a:r>
-            <a:r>
-              <a:rPr lang="en-US" sz="2400" b="1" dirty="0"/>
-              <a:t>symbols</a:t>
-            </a:r>
-            <a:r>
-              <a:rPr lang="en-US" sz="2400" dirty="0"/>
-              <a:t>, </a:t>
-            </a:r>
-            <a:r>
-              <a:rPr lang="en-US" sz="2400" b="1" dirty="0"/>
-              <a:t>emojis</a:t>
-            </a:r>
-            <a:r>
-              <a:rPr lang="en-US" sz="2400" dirty="0"/>
-              <a:t>, and </a:t>
-            </a:r>
-            <a:r>
-              <a:rPr lang="en-US" sz="2400" b="1" dirty="0"/>
-              <a:t>special</a:t>
-            </a:r>
-            <a:r>
-              <a:rPr lang="en-US" sz="2400" dirty="0"/>
-              <a:t> </a:t>
-            </a:r>
-            <a:r>
-              <a:rPr lang="en-US" sz="2400" b="1" dirty="0"/>
-              <a:t>characters</a:t>
-            </a:r>
-            <a:r>
-              <a:rPr lang="en-US" sz="2400" dirty="0"/>
-              <a:t>.</a:t>
-            </a:r>
-          </a:p>
-          <a:p>
-            <a:pPr marL="0" indent="0">
-              <a:buNone/>
-            </a:pPr>
-            <a:endParaRPr lang="en-IN" sz="2400" dirty="0"/>
-          </a:p>
-        </p:txBody>
-      </p:sp>
-    </p:spTree>
-    <p:extLst>
-      <p:ext uri="{BB962C8B-B14F-4D97-AF65-F5344CB8AC3E}">
-        <p14:creationId xmlns:p14="http://schemas.microsoft.com/office/powerpoint/2010/main" val="158852200"/>
       </p:ext>
     </p:extLst>
   </p:cSld>
@@ -39688,6 +39987,339 @@
 </file>
 
 <file path=ppt/slides/slide90.xml><?xml version="1.0" encoding="utf-8"?>
+<p:sld xmlns:a="http://schemas.openxmlformats.org/drawingml/2006/main" xmlns:r="http://schemas.openxmlformats.org/officeDocument/2006/relationships" xmlns:p="http://schemas.openxmlformats.org/presentationml/2006/main">
+  <p:cSld>
+    <p:spTree>
+      <p:nvGrpSpPr>
+        <p:cNvPr id="1" name="">
+          <a:extLst>
+            <a:ext uri="{FF2B5EF4-FFF2-40B4-BE49-F238E27FC236}">
+              <a16:creationId xmlns:a16="http://schemas.microsoft.com/office/drawing/2014/main" id="{E1119AD9-510A-3B65-867E-2C500F3C723D}"/>
+            </a:ext>
+          </a:extLst>
+        </p:cNvPr>
+        <p:cNvGrpSpPr/>
+        <p:nvPr/>
+      </p:nvGrpSpPr>
+      <p:grpSpPr>
+        <a:xfrm>
+          <a:off x="0" y="0"/>
+          <a:ext cx="0" cy="0"/>
+          <a:chOff x="0" y="0"/>
+          <a:chExt cx="0" cy="0"/>
+        </a:xfrm>
+      </p:grpSpPr>
+      <p:sp>
+        <p:nvSpPr>
+          <p:cNvPr id="3" name="Content Placeholder 2">
+            <a:extLst>
+              <a:ext uri="{FF2B5EF4-FFF2-40B4-BE49-F238E27FC236}">
+                <a16:creationId xmlns:a16="http://schemas.microsoft.com/office/drawing/2014/main" id="{95A19981-0148-BB2D-5E23-341B7B3C3C2C}"/>
+              </a:ext>
+            </a:extLst>
+          </p:cNvPr>
+          <p:cNvSpPr>
+            <a:spLocks noGrp="1"/>
+          </p:cNvSpPr>
+          <p:nvPr>
+            <p:ph idx="1"/>
+          </p:nvPr>
+        </p:nvSpPr>
+        <p:spPr>
+          <a:xfrm>
+            <a:off x="777240" y="729343"/>
+            <a:ext cx="10659110" cy="5447620"/>
+          </a:xfrm>
+        </p:spPr>
+        <p:txBody>
+          <a:bodyPr>
+            <a:normAutofit/>
+          </a:bodyPr>
+          <a:lstStyle/>
+          <a:p>
+            <a:pPr marL="0" indent="0">
+              <a:buNone/>
+            </a:pPr>
+            <a:r>
+              <a:rPr lang="en-US" sz="2400" b="1" dirty="0">
+                <a:solidFill>
+                  <a:srgbClr val="002060"/>
+                </a:solidFill>
+              </a:rPr>
+              <a:t>Why UTF-8 when we have ASCII:</a:t>
+            </a:r>
+          </a:p>
+          <a:p>
+            <a:pPr marL="0" indent="0">
+              <a:buNone/>
+            </a:pPr>
+            <a:r>
+              <a:rPr lang="en-US" sz="2400" b="1" dirty="0"/>
+              <a:t>1. Limited Character Set in ASCII</a:t>
+            </a:r>
+          </a:p>
+          <a:p>
+            <a:pPr marL="0" indent="0">
+              <a:buNone/>
+            </a:pPr>
+            <a:r>
+              <a:rPr lang="en-US" sz="2400" b="1" dirty="0"/>
+              <a:t>ASCII</a:t>
+            </a:r>
+            <a:r>
+              <a:rPr lang="en-US" sz="2400" dirty="0"/>
+              <a:t>:</a:t>
+            </a:r>
+          </a:p>
+          <a:p>
+            <a:pPr lvl="1"/>
+            <a:r>
+              <a:rPr lang="en-US" sz="2400" dirty="0"/>
+              <a:t>Supports only </a:t>
+            </a:r>
+            <a:r>
+              <a:rPr lang="en-US" sz="2400" b="1" dirty="0">
+                <a:solidFill>
+                  <a:srgbClr val="C00000"/>
+                </a:solidFill>
+              </a:rPr>
+              <a:t>128</a:t>
+            </a:r>
+            <a:r>
+              <a:rPr lang="en-US" sz="2400" dirty="0"/>
+              <a:t> </a:t>
+            </a:r>
+            <a:r>
+              <a:rPr lang="en-US" sz="2400" b="1" dirty="0"/>
+              <a:t>characters</a:t>
+            </a:r>
+            <a:r>
+              <a:rPr lang="en-US" sz="2400" dirty="0"/>
+              <a:t> (7-bit encoding).</a:t>
+            </a:r>
+          </a:p>
+          <a:p>
+            <a:pPr lvl="1"/>
+            <a:r>
+              <a:rPr lang="en-US" sz="2400" dirty="0"/>
+              <a:t>Designed primarily for </a:t>
+            </a:r>
+            <a:r>
+              <a:rPr lang="en-US" sz="2400" b="1" dirty="0"/>
+              <a:t>English alphabets</a:t>
+            </a:r>
+            <a:r>
+              <a:rPr lang="en-US" sz="2400" dirty="0"/>
+              <a:t>, </a:t>
+            </a:r>
+            <a:r>
+              <a:rPr lang="en-US" sz="2400" b="1" dirty="0"/>
+              <a:t>numbers</a:t>
+            </a:r>
+            <a:r>
+              <a:rPr lang="en-US" sz="2400" dirty="0"/>
+              <a:t>, and </a:t>
+            </a:r>
+            <a:r>
+              <a:rPr lang="en-US" sz="2400" b="1" dirty="0"/>
+              <a:t>some</a:t>
+            </a:r>
+            <a:r>
+              <a:rPr lang="en-US" sz="2400" dirty="0"/>
+              <a:t> </a:t>
+            </a:r>
+            <a:r>
+              <a:rPr lang="en-US" sz="2400" b="1" dirty="0"/>
+              <a:t>control</a:t>
+            </a:r>
+            <a:r>
+              <a:rPr lang="en-US" sz="2400" dirty="0"/>
+              <a:t> </a:t>
+            </a:r>
+            <a:r>
+              <a:rPr lang="en-US" sz="2400" b="1" dirty="0"/>
+              <a:t>characters</a:t>
+            </a:r>
+            <a:r>
+              <a:rPr lang="en-US" sz="2400" dirty="0"/>
+              <a:t>.</a:t>
+            </a:r>
+          </a:p>
+          <a:p>
+            <a:pPr lvl="1"/>
+            <a:r>
+              <a:rPr lang="en-US" sz="2400" dirty="0"/>
+              <a:t>Cannot represent characters from other languages like </a:t>
+            </a:r>
+            <a:r>
+              <a:rPr lang="en-US" sz="2400" b="1" dirty="0"/>
+              <a:t>Chinese</a:t>
+            </a:r>
+            <a:r>
+              <a:rPr lang="en-US" sz="2400" dirty="0"/>
+              <a:t>, </a:t>
+            </a:r>
+            <a:r>
+              <a:rPr lang="en-US" sz="2400" b="1" dirty="0"/>
+              <a:t>Arabic</a:t>
+            </a:r>
+            <a:r>
+              <a:rPr lang="en-US" sz="2400" dirty="0"/>
+              <a:t>, </a:t>
+            </a:r>
+            <a:r>
+              <a:rPr lang="en-US" sz="2400" b="1" dirty="0"/>
+              <a:t>Hindi</a:t>
+            </a:r>
+            <a:r>
+              <a:rPr lang="en-US" sz="2400" dirty="0"/>
+              <a:t>, or even additional </a:t>
+            </a:r>
+            <a:r>
+              <a:rPr lang="en-US" sz="2400" b="1" dirty="0"/>
+              <a:t>symbols</a:t>
+            </a:r>
+            <a:r>
+              <a:rPr lang="en-US" sz="2400" dirty="0"/>
+              <a:t> and </a:t>
+            </a:r>
+            <a:r>
+              <a:rPr lang="en-US" sz="2400" b="1" dirty="0"/>
+              <a:t>emojis</a:t>
+            </a:r>
+            <a:r>
+              <a:rPr lang="en-US" sz="2400" dirty="0"/>
+              <a:t>.</a:t>
+            </a:r>
+          </a:p>
+          <a:p>
+            <a:pPr marL="0" indent="0">
+              <a:buNone/>
+            </a:pPr>
+            <a:r>
+              <a:rPr lang="en-US" sz="2400" b="1" dirty="0"/>
+              <a:t>UTF-8</a:t>
+            </a:r>
+            <a:r>
+              <a:rPr lang="en-US" sz="2400" dirty="0"/>
+              <a:t>:</a:t>
+            </a:r>
+          </a:p>
+          <a:p>
+            <a:pPr lvl="1"/>
+            <a:r>
+              <a:rPr lang="en-US" sz="2400" dirty="0"/>
+              <a:t>Supports over </a:t>
+            </a:r>
+            <a:r>
+              <a:rPr lang="en-US" sz="2400" b="1" dirty="0">
+                <a:solidFill>
+                  <a:srgbClr val="C00000"/>
+                </a:solidFill>
+              </a:rPr>
+              <a:t>1.1 million </a:t>
+            </a:r>
+            <a:r>
+              <a:rPr lang="en-US" sz="2400" b="1" dirty="0"/>
+              <a:t>characters</a:t>
+            </a:r>
+            <a:r>
+              <a:rPr lang="en-US" sz="2400" dirty="0"/>
+              <a:t> (as part of the Unicode standard).</a:t>
+            </a:r>
+          </a:p>
+          <a:p>
+            <a:pPr lvl="1"/>
+            <a:r>
+              <a:rPr lang="en-US" sz="2400" dirty="0"/>
+              <a:t>Can encode text from virtually </a:t>
+            </a:r>
+            <a:r>
+              <a:rPr lang="en-US" sz="2400" b="1" dirty="0"/>
+              <a:t>any</a:t>
+            </a:r>
+            <a:r>
+              <a:rPr lang="en-US" sz="2400" dirty="0"/>
+              <a:t> </a:t>
+            </a:r>
+            <a:r>
+              <a:rPr lang="en-US" sz="2400" b="1" dirty="0"/>
+              <a:t>language</a:t>
+            </a:r>
+            <a:r>
+              <a:rPr lang="en-US" sz="2400" dirty="0"/>
+              <a:t> or </a:t>
+            </a:r>
+            <a:r>
+              <a:rPr lang="en-US" sz="2400" b="1" dirty="0"/>
+              <a:t>script</a:t>
+            </a:r>
+            <a:r>
+              <a:rPr lang="en-US" sz="2400" dirty="0"/>
+              <a:t>.</a:t>
+            </a:r>
+          </a:p>
+          <a:p>
+            <a:pPr lvl="1"/>
+            <a:r>
+              <a:rPr lang="en-US" sz="2400" dirty="0"/>
+              <a:t>Includes </a:t>
+            </a:r>
+            <a:r>
+              <a:rPr lang="en-US" sz="2400" b="1" dirty="0"/>
+              <a:t>symbols</a:t>
+            </a:r>
+            <a:r>
+              <a:rPr lang="en-US" sz="2400" dirty="0"/>
+              <a:t>, </a:t>
+            </a:r>
+            <a:r>
+              <a:rPr lang="en-US" sz="2400" b="1" dirty="0"/>
+              <a:t>emojis</a:t>
+            </a:r>
+            <a:r>
+              <a:rPr lang="en-US" sz="2400" dirty="0"/>
+              <a:t>, and </a:t>
+            </a:r>
+            <a:r>
+              <a:rPr lang="en-US" sz="2400" b="1" dirty="0"/>
+              <a:t>special</a:t>
+            </a:r>
+            <a:r>
+              <a:rPr lang="en-US" sz="2400" dirty="0"/>
+              <a:t> </a:t>
+            </a:r>
+            <a:r>
+              <a:rPr lang="en-US" sz="2400" b="1" dirty="0"/>
+              <a:t>characters</a:t>
+            </a:r>
+            <a:r>
+              <a:rPr lang="en-US" sz="2400" dirty="0"/>
+              <a:t>.</a:t>
+            </a:r>
+          </a:p>
+          <a:p>
+            <a:pPr marL="0" indent="0">
+              <a:buNone/>
+            </a:pPr>
+            <a:endParaRPr lang="en-IN" sz="2400" dirty="0"/>
+          </a:p>
+        </p:txBody>
+      </p:sp>
+    </p:spTree>
+    <p:extLst>
+      <p:ext uri="{BB962C8B-B14F-4D97-AF65-F5344CB8AC3E}">
+        <p14:creationId xmlns:p14="http://schemas.microsoft.com/office/powerpoint/2010/main" val="158852200"/>
+      </p:ext>
+    </p:extLst>
+  </p:cSld>
+  <p:clrMapOvr>
+    <a:masterClrMapping/>
+  </p:clrMapOvr>
+</p:sld>
+</file>
+
+<file path=ppt/slides/slide91.xml><?xml version="1.0" encoding="utf-8"?>
 <p:sld xmlns:a="http://schemas.openxmlformats.org/drawingml/2006/main" xmlns:r="http://schemas.openxmlformats.org/officeDocument/2006/relationships" xmlns:p="http://schemas.openxmlformats.org/presentationml/2006/main">
   <p:cSld>
     <p:spTree>

--- a/Day-1 – Node.js Fundamentals & HTTP Module.pptx
+++ b/Day-1 – Node.js Fundamentals & HTTP Module.pptx
@@ -287,7 +287,7 @@
           <a:p>
             <a:fld id="{61532AF1-4615-4667-912A-829B12F8C4D2}" type="datetimeFigureOut">
               <a:rPr lang="en-IN" smtClean="0"/>
-              <a:t>01-06-2025</a:t>
+              <a:t>02-06-2025</a:t>
             </a:fld>
             <a:endParaRPr lang="en-IN"/>
           </a:p>
@@ -704,7 +704,7 @@
           <a:p>
             <a:fld id="{C43A76A3-ADC8-4477-8FC1-B9DD55D84908}" type="datetime1">
               <a:rPr lang="en-US" smtClean="0"/>
-              <a:t>6/1/2025</a:t>
+              <a:t>6/2/2025</a:t>
             </a:fld>
             <a:endParaRPr lang="en-US" dirty="0"/>
           </a:p>
@@ -902,7 +902,7 @@
           <a:p>
             <a:fld id="{D6762538-DC4D-4667-96E5-B3278DDF8B12}" type="datetime1">
               <a:rPr lang="en-US" smtClean="0"/>
-              <a:t>6/1/2025</a:t>
+              <a:t>6/2/2025</a:t>
             </a:fld>
             <a:endParaRPr lang="en-US"/>
           </a:p>
@@ -1110,7 +1110,7 @@
           <a:p>
             <a:fld id="{05880548-5C08-4BE3-B63E-F2BB63B0B00C}" type="datetime1">
               <a:rPr lang="en-US" smtClean="0"/>
-              <a:t>6/1/2025</a:t>
+              <a:t>6/2/2025</a:t>
             </a:fld>
             <a:endParaRPr lang="en-US"/>
           </a:p>
@@ -1308,7 +1308,7 @@
           <a:p>
             <a:fld id="{DE7F49BE-398D-479A-8A7E-5DDBCA61EDCB}" type="datetime1">
               <a:rPr lang="en-US" smtClean="0"/>
-              <a:t>6/1/2025</a:t>
+              <a:t>6/2/2025</a:t>
             </a:fld>
             <a:endParaRPr lang="en-US" dirty="0"/>
           </a:p>
@@ -1584,7 +1584,7 @@
           <a:p>
             <a:fld id="{CCD0C193-4974-4A1F-9C63-07D595E30D66}" type="datetime1">
               <a:rPr lang="en-US" smtClean="0"/>
-              <a:t>6/1/2025</a:t>
+              <a:t>6/2/2025</a:t>
             </a:fld>
             <a:endParaRPr lang="en-US"/>
           </a:p>
@@ -1851,7 +1851,7 @@
           <a:p>
             <a:fld id="{701AA87F-28D4-4BF0-B81F-877A89DFD5AC}" type="datetime1">
               <a:rPr lang="en-US" smtClean="0"/>
-              <a:t>6/1/2025</a:t>
+              <a:t>6/2/2025</a:t>
             </a:fld>
             <a:endParaRPr lang="en-US"/>
           </a:p>
@@ -2265,7 +2265,7 @@
           <a:p>
             <a:fld id="{A8A9F1F3-208B-49A3-B337-9C8ACEB3E0E1}" type="datetime1">
               <a:rPr lang="en-US" smtClean="0"/>
-              <a:t>6/1/2025</a:t>
+              <a:t>6/2/2025</a:t>
             </a:fld>
             <a:endParaRPr lang="en-US"/>
           </a:p>
@@ -2412,7 +2412,7 @@
           <a:p>
             <a:fld id="{27AF6CA6-7293-4AA2-A0E0-A3BF4416E786}" type="datetime1">
               <a:rPr lang="en-US" smtClean="0"/>
-              <a:t>6/1/2025</a:t>
+              <a:t>6/2/2025</a:t>
             </a:fld>
             <a:endParaRPr lang="en-US"/>
           </a:p>
@@ -2525,7 +2525,7 @@
           <a:p>
             <a:fld id="{98D87016-7BCD-46FB-8EE3-AB6C369108B4}" type="datetime1">
               <a:rPr lang="en-US" smtClean="0"/>
-              <a:t>6/1/2025</a:t>
+              <a:t>6/2/2025</a:t>
             </a:fld>
             <a:endParaRPr lang="en-US"/>
           </a:p>
@@ -2844,7 +2844,7 @@
           <a:p>
             <a:fld id="{A1547011-1FFC-4EF8-9A2E-53B4AD2ADBD4}" type="datetime1">
               <a:rPr lang="en-US" smtClean="0"/>
-              <a:t>6/1/2025</a:t>
+              <a:t>6/2/2025</a:t>
             </a:fld>
             <a:endParaRPr lang="en-US"/>
           </a:p>
@@ -3139,7 +3139,7 @@
           <a:p>
             <a:fld id="{9562EB47-45B4-4EF5-A743-B4885DD2F060}" type="datetime1">
               <a:rPr lang="en-US" smtClean="0"/>
-              <a:t>6/1/2025</a:t>
+              <a:t>6/2/2025</a:t>
             </a:fld>
             <a:endParaRPr lang="en-US"/>
           </a:p>
@@ -4524,7 +4524,7 @@
           <a:p>
             <a:fld id="{4A8D24A4-5FEC-4062-8995-EB21925B3B40}" type="datetime1">
               <a:rPr lang="en-US" smtClean="0"/>
-              <a:t>6/1/2025</a:t>
+              <a:t>6/2/2025</a:t>
             </a:fld>
             <a:endParaRPr lang="en-US" sz="1000" dirty="0"/>
           </a:p>
@@ -39040,7 +39040,7 @@
               <a:buNone/>
             </a:pPr>
             <a:r>
-              <a:rPr lang="en-US" sz="2400" b="1" dirty="0"/>
+              <a:rPr lang="en-US" sz="2800" b="1" dirty="0"/>
               <a:t>What is Unicode:</a:t>
             </a:r>
           </a:p>
@@ -39228,7 +39228,7 @@
               <a:buNone/>
             </a:pPr>
             <a:r>
-              <a:rPr lang="en-US" sz="2200" b="1" dirty="0"/>
+              <a:rPr lang="en-US" sz="2400" b="1" dirty="0"/>
               <a:t>UTF-8 in Node.js:</a:t>
             </a:r>
           </a:p>
@@ -39339,7 +39339,7 @@
         </p:blipFill>
         <p:spPr>
           <a:xfrm>
-            <a:off x="755650" y="2170764"/>
+            <a:off x="777240" y="2512564"/>
             <a:ext cx="6444972" cy="3664399"/>
           </a:xfrm>
           <a:prstGeom prst="rect">
@@ -40041,7 +40041,7 @@
               <a:buNone/>
             </a:pPr>
             <a:r>
-              <a:rPr lang="en-US" sz="2400" b="1" dirty="0">
+              <a:rPr lang="en-US" sz="2800" b="1" dirty="0">
                 <a:solidFill>
                   <a:srgbClr val="002060"/>
                 </a:solidFill>
